--- a/alirstom.pptx
+++ b/alirstom.pptx
@@ -194,6 +194,34 @@
         </p14:section>
       </p14:sectionLst>
     </p:ext>
+    <p:ext uri="{EFAFB233-063F-42B5-8137-9DF3F51BA10A}">
+      <p15:sldGuideLst xmlns:p15="http://schemas.microsoft.com/office/powerpoint/2012/main">
+        <p15:guide id="1" orient="horz" pos="1797">
+          <p15:clr>
+            <a:srgbClr val="A4A3A4"/>
+          </p15:clr>
+        </p15:guide>
+        <p15:guide id="2" pos="4320">
+          <p15:clr>
+            <a:srgbClr val="A4A3A4"/>
+          </p15:clr>
+        </p15:guide>
+      </p15:sldGuideLst>
+    </p:ext>
+    <p:ext uri="{2D200454-40CA-4A62-9FC3-DE9A4176ACB9}">
+      <p15:notesGuideLst xmlns:p15="http://schemas.microsoft.com/office/powerpoint/2012/main">
+        <p15:guide id="1" orient="horz" pos="2880">
+          <p15:clr>
+            <a:srgbClr val="A4A3A4"/>
+          </p15:clr>
+        </p15:guide>
+        <p15:guide id="2" pos="2160">
+          <p15:clr>
+            <a:srgbClr val="A4A3A4"/>
+          </p15:clr>
+        </p15:guide>
+      </p15:notesGuideLst>
+    </p:ext>
   </p:extLst>
 </p:presentation>
 </file>
@@ -282,7 +310,7 @@
             <a:pPr algn="r" rtl="1"/>
             <a:fld id="{744D7EC3-CD50-4DA5-B722-330229C0073D}" type="datetimeFigureOut">
               <a:rPr lang="ar-SA" smtClean="0"/>
-              <a:t>08/10/1443</a:t>
+              <a:t>10/10/1443</a:t>
             </a:fld>
             <a:endParaRPr lang="ar-SA"/>
           </a:p>
@@ -450,7 +478,7 @@
           <a:p>
             <a:pPr algn="r" rtl="1"/>
             <a:fld id="{85BE0011-04E0-4F3F-BFCE-633C944A425A}" type="datetimeFigureOut">
-              <a:t>08/10/1443</a:t>
+              <a:t>10/10/1443</a:t>
             </a:fld>
             <a:endParaRPr lang="ar-SA"/>
           </a:p>
@@ -816,6 +844,96 @@
         </p:txBody>
       </p:sp>
     </p:spTree>
+    <p:extLst>
+      <p:ext uri="{BB962C8B-B14F-4D97-AF65-F5344CB8AC3E}">
+        <p14:creationId xmlns:p14="http://schemas.microsoft.com/office/powerpoint/2010/main" val="1684540332"/>
+      </p:ext>
+    </p:extLst>
+  </p:cSld>
+  <p:clrMapOvr>
+    <a:masterClrMapping/>
+  </p:clrMapOvr>
+</p:notes>
+</file>
+
+<file path=ppt/notesSlides/notesSlide10.xml><?xml version="1.0" encoding="utf-8"?>
+<p:notes xmlns:a="http://schemas.openxmlformats.org/drawingml/2006/main" xmlns:r="http://schemas.openxmlformats.org/officeDocument/2006/relationships" xmlns:p="http://schemas.openxmlformats.org/presentationml/2006/main">
+  <p:cSld>
+    <p:spTree>
+      <p:nvGrpSpPr>
+        <p:cNvPr id="1" name=""/>
+        <p:cNvGrpSpPr/>
+        <p:nvPr/>
+      </p:nvGrpSpPr>
+      <p:grpSpPr>
+        <a:xfrm>
+          <a:off x="0" y="0"/>
+          <a:ext cx="0" cy="0"/>
+          <a:chOff x="0" y="0"/>
+          <a:chExt cx="0" cy="0"/>
+        </a:xfrm>
+      </p:grpSpPr>
+      <p:sp>
+        <p:nvSpPr>
+          <p:cNvPr id="2" name="عنصر نائب لصورة الشريحة 1"/>
+          <p:cNvSpPr>
+            <a:spLocks noGrp="1" noRot="1" noChangeAspect="1"/>
+          </p:cNvSpPr>
+          <p:nvPr>
+            <p:ph type="sldImg"/>
+          </p:nvPr>
+        </p:nvSpPr>
+        <p:spPr/>
+      </p:sp>
+      <p:sp>
+        <p:nvSpPr>
+          <p:cNvPr id="3" name="عنصر نائب للملاحظات 2"/>
+          <p:cNvSpPr>
+            <a:spLocks noGrp="1"/>
+          </p:cNvSpPr>
+          <p:nvPr>
+            <p:ph type="body" idx="1"/>
+          </p:nvPr>
+        </p:nvSpPr>
+        <p:spPr/>
+        <p:txBody>
+          <a:bodyPr/>
+          <a:lstStyle/>
+          <a:p>
+            <a:endParaRPr lang="ar-JO" dirty="0"/>
+          </a:p>
+        </p:txBody>
+      </p:sp>
+      <p:sp>
+        <p:nvSpPr>
+          <p:cNvPr id="4" name="عنصر نائب لرقم الشريحة 3"/>
+          <p:cNvSpPr>
+            <a:spLocks noGrp="1"/>
+          </p:cNvSpPr>
+          <p:nvPr>
+            <p:ph type="sldNum" sz="quarter" idx="10"/>
+          </p:nvPr>
+        </p:nvSpPr>
+        <p:spPr/>
+        <p:txBody>
+          <a:bodyPr/>
+          <a:lstStyle/>
+          <a:p>
+            <a:pPr algn="r" rtl="1"/>
+            <a:fld id="{DD7D2AD7-BD31-48B9-8C8A-7D4EAE7F6485}" type="slidenum">
+              <a:rPr lang="ar-JO" smtClean="0"/>
+              <a:t>35</a:t>
+            </a:fld>
+            <a:endParaRPr lang="ar-JO"/>
+          </a:p>
+        </p:txBody>
+      </p:sp>
+    </p:spTree>
+    <p:extLst>
+      <p:ext uri="{BB962C8B-B14F-4D97-AF65-F5344CB8AC3E}">
+        <p14:creationId xmlns:p14="http://schemas.microsoft.com/office/powerpoint/2010/main" val="3720567288"/>
+      </p:ext>
+    </p:extLst>
   </p:cSld>
   <p:clrMapOvr>
     <a:masterClrMapping/>
@@ -897,6 +1015,11 @@
         </p:txBody>
       </p:sp>
     </p:spTree>
+    <p:extLst>
+      <p:ext uri="{BB962C8B-B14F-4D97-AF65-F5344CB8AC3E}">
+        <p14:creationId xmlns:p14="http://schemas.microsoft.com/office/powerpoint/2010/main" val="752709011"/>
+      </p:ext>
+    </p:extLst>
   </p:cSld>
   <p:clrMapOvr>
     <a:masterClrMapping/>
@@ -978,6 +1101,11 @@
         </p:txBody>
       </p:sp>
     </p:spTree>
+    <p:extLst>
+      <p:ext uri="{BB962C8B-B14F-4D97-AF65-F5344CB8AC3E}">
+        <p14:creationId xmlns:p14="http://schemas.microsoft.com/office/powerpoint/2010/main" val="3692571520"/>
+      </p:ext>
+    </p:extLst>
   </p:cSld>
   <p:clrMapOvr>
     <a:masterClrMapping/>
@@ -1059,6 +1187,11 @@
         </p:txBody>
       </p:sp>
     </p:spTree>
+    <p:extLst>
+      <p:ext uri="{BB962C8B-B14F-4D97-AF65-F5344CB8AC3E}">
+        <p14:creationId xmlns:p14="http://schemas.microsoft.com/office/powerpoint/2010/main" val="3203643352"/>
+      </p:ext>
+    </p:extLst>
   </p:cSld>
   <p:clrMapOvr>
     <a:masterClrMapping/>
@@ -1140,6 +1273,11 @@
         </p:txBody>
       </p:sp>
     </p:spTree>
+    <p:extLst>
+      <p:ext uri="{BB962C8B-B14F-4D97-AF65-F5344CB8AC3E}">
+        <p14:creationId xmlns:p14="http://schemas.microsoft.com/office/powerpoint/2010/main" val="1533212114"/>
+      </p:ext>
+    </p:extLst>
   </p:cSld>
   <p:clrMapOvr>
     <a:masterClrMapping/>
@@ -1221,6 +1359,11 @@
         </p:txBody>
       </p:sp>
     </p:spTree>
+    <p:extLst>
+      <p:ext uri="{BB962C8B-B14F-4D97-AF65-F5344CB8AC3E}">
+        <p14:creationId xmlns:p14="http://schemas.microsoft.com/office/powerpoint/2010/main" val="792248570"/>
+      </p:ext>
+    </p:extLst>
   </p:cSld>
   <p:clrMapOvr>
     <a:masterClrMapping/>
@@ -1302,6 +1445,11 @@
         </p:txBody>
       </p:sp>
     </p:spTree>
+    <p:extLst>
+      <p:ext uri="{BB962C8B-B14F-4D97-AF65-F5344CB8AC3E}">
+        <p14:creationId xmlns:p14="http://schemas.microsoft.com/office/powerpoint/2010/main" val="677475607"/>
+      </p:ext>
+    </p:extLst>
   </p:cSld>
   <p:clrMapOvr>
     <a:masterClrMapping/>
@@ -1383,6 +1531,96 @@
         </p:txBody>
       </p:sp>
     </p:spTree>
+    <p:extLst>
+      <p:ext uri="{BB962C8B-B14F-4D97-AF65-F5344CB8AC3E}">
+        <p14:creationId xmlns:p14="http://schemas.microsoft.com/office/powerpoint/2010/main" val="2260376652"/>
+      </p:ext>
+    </p:extLst>
+  </p:cSld>
+  <p:clrMapOvr>
+    <a:masterClrMapping/>
+  </p:clrMapOvr>
+</p:notes>
+</file>
+
+<file path=ppt/notesSlides/notesSlide9.xml><?xml version="1.0" encoding="utf-8"?>
+<p:notes xmlns:a="http://schemas.openxmlformats.org/drawingml/2006/main" xmlns:r="http://schemas.openxmlformats.org/officeDocument/2006/relationships" xmlns:p="http://schemas.openxmlformats.org/presentationml/2006/main">
+  <p:cSld>
+    <p:spTree>
+      <p:nvGrpSpPr>
+        <p:cNvPr id="1" name=""/>
+        <p:cNvGrpSpPr/>
+        <p:nvPr/>
+      </p:nvGrpSpPr>
+      <p:grpSpPr>
+        <a:xfrm>
+          <a:off x="0" y="0"/>
+          <a:ext cx="0" cy="0"/>
+          <a:chOff x="0" y="0"/>
+          <a:chExt cx="0" cy="0"/>
+        </a:xfrm>
+      </p:grpSpPr>
+      <p:sp>
+        <p:nvSpPr>
+          <p:cNvPr id="2" name="عنصر نائب لصورة الشريحة 1"/>
+          <p:cNvSpPr>
+            <a:spLocks noGrp="1" noRot="1" noChangeAspect="1"/>
+          </p:cNvSpPr>
+          <p:nvPr>
+            <p:ph type="sldImg"/>
+          </p:nvPr>
+        </p:nvSpPr>
+        <p:spPr/>
+      </p:sp>
+      <p:sp>
+        <p:nvSpPr>
+          <p:cNvPr id="3" name="عنصر نائب للملاحظات 2"/>
+          <p:cNvSpPr>
+            <a:spLocks noGrp="1"/>
+          </p:cNvSpPr>
+          <p:nvPr>
+            <p:ph type="body" idx="1"/>
+          </p:nvPr>
+        </p:nvSpPr>
+        <p:spPr/>
+        <p:txBody>
+          <a:bodyPr/>
+          <a:lstStyle/>
+          <a:p>
+            <a:endParaRPr lang="ar-JO" dirty="0"/>
+          </a:p>
+        </p:txBody>
+      </p:sp>
+      <p:sp>
+        <p:nvSpPr>
+          <p:cNvPr id="4" name="عنصر نائب لرقم الشريحة 3"/>
+          <p:cNvSpPr>
+            <a:spLocks noGrp="1"/>
+          </p:cNvSpPr>
+          <p:nvPr>
+            <p:ph type="sldNum" sz="quarter" idx="10"/>
+          </p:nvPr>
+        </p:nvSpPr>
+        <p:spPr/>
+        <p:txBody>
+          <a:bodyPr/>
+          <a:lstStyle/>
+          <a:p>
+            <a:pPr algn="r" rtl="1"/>
+            <a:fld id="{DD7D2AD7-BD31-48B9-8C8A-7D4EAE7F6485}" type="slidenum">
+              <a:rPr lang="ar-JO" smtClean="0"/>
+              <a:t>32</a:t>
+            </a:fld>
+            <a:endParaRPr lang="ar-JO"/>
+          </a:p>
+        </p:txBody>
+      </p:sp>
+    </p:spTree>
+    <p:extLst>
+      <p:ext uri="{BB962C8B-B14F-4D97-AF65-F5344CB8AC3E}">
+        <p14:creationId xmlns:p14="http://schemas.microsoft.com/office/powerpoint/2010/main" val="3425994323"/>
+      </p:ext>
+    </p:extLst>
   </p:cSld>
   <p:clrMapOvr>
     <a:masterClrMapping/>
@@ -1450,7 +1688,7 @@
             <a:pPr algn="r" rtl="1"/>
             <a:fld id="{EFEED2B4-868F-4681-9E70-FF7ECCDC67D4}" type="datetimeFigureOut">
               <a:rPr lang="ar-SY" smtClean="0"/>
-              <a:t>08/10/1443</a:t>
+              <a:t>10/10/1443</a:t>
             </a:fld>
             <a:endParaRPr kumimoji="0" lang="ar-SY"/>
           </a:p>
@@ -1769,7 +2007,7 @@
             <a:pPr algn="r" rtl="1"/>
             <a:fld id="{EFEED2B4-868F-4681-9E70-FF7ECCDC67D4}" type="datetimeFigureOut">
               <a:rPr lang="ar-SY" smtClean="0"/>
-              <a:t>08/10/1443</a:t>
+              <a:t>10/10/1443</a:t>
             </a:fld>
             <a:endParaRPr kumimoji="0" lang="ar-SY"/>
           </a:p>
@@ -1947,7 +2185,7 @@
             <a:pPr algn="r" rtl="1"/>
             <a:fld id="{EFEED2B4-868F-4681-9E70-FF7ECCDC67D4}" type="datetimeFigureOut">
               <a:rPr lang="ar-SY" smtClean="0"/>
-              <a:t>08/10/1443</a:t>
+              <a:t>10/10/1443</a:t>
             </a:fld>
             <a:endParaRPr kumimoji="0" lang="ar-SY"/>
           </a:p>
@@ -2474,7 +2712,7 @@
           <a:p>
             <a:pPr algn="r" rtl="1"/>
             <a:fld id="{EFEED2B4-868F-4681-9E70-FF7ECCDC67D4}" type="datetimeFigureOut">
-              <a:t>08/10/1443</a:t>
+              <a:t>10/10/1443</a:t>
             </a:fld>
             <a:endParaRPr kumimoji="0" lang="ar-SA"/>
           </a:p>
@@ -2666,7 +2904,7 @@
           <a:p>
             <a:pPr algn="r" rtl="1"/>
             <a:fld id="{EFEED2B4-868F-4681-9E70-FF7ECCDC67D4}" type="datetimeFigureOut">
-              <a:t>08/10/1443</a:t>
+              <a:t>10/10/1443</a:t>
             </a:fld>
             <a:endParaRPr kumimoji="0" lang="ar-SA"/>
           </a:p>
@@ -2917,7 +3155,7 @@
           <a:p>
             <a:pPr algn="r" rtl="1"/>
             <a:fld id="{EFEED2B4-868F-4681-9E70-FF7ECCDC67D4}" type="datetimeFigureOut">
-              <a:t>08/10/1443</a:t>
+              <a:t>10/10/1443</a:t>
             </a:fld>
             <a:endParaRPr kumimoji="0" lang="ar-SA"/>
           </a:p>
@@ -3631,7 +3869,7 @@
           <a:p>
             <a:pPr algn="r" rtl="1"/>
             <a:fld id="{EFEED2B4-868F-4681-9E70-FF7ECCDC67D4}" type="datetimeFigureOut">
-              <a:t>08/10/1443</a:t>
+              <a:t>10/10/1443</a:t>
             </a:fld>
             <a:endParaRPr kumimoji="0" lang="ar-SA"/>
           </a:p>
@@ -4033,7 +4271,7 @@
           <a:p>
             <a:pPr algn="r" rtl="1"/>
             <a:fld id="{EFEED2B4-868F-4681-9E70-FF7ECCDC67D4}" type="datetimeFigureOut">
-              <a:t>08/10/1443</a:t>
+              <a:t>10/10/1443</a:t>
             </a:fld>
             <a:endParaRPr kumimoji="0" lang="ar-SA"/>
           </a:p>
@@ -4297,7 +4535,7 @@
           <a:p>
             <a:pPr algn="r" rtl="1"/>
             <a:fld id="{EFEED2B4-868F-4681-9E70-FF7ECCDC67D4}" type="datetimeFigureOut">
-              <a:t>08/10/1443</a:t>
+              <a:t>10/10/1443</a:t>
             </a:fld>
             <a:endParaRPr kumimoji="0" lang="ar-SA"/>
           </a:p>
@@ -4544,7 +4782,7 @@
           <a:p>
             <a:pPr algn="r" rtl="1"/>
             <a:fld id="{EFEED2B4-868F-4681-9E70-FF7ECCDC67D4}" type="datetimeFigureOut">
-              <a:t>08/10/1443</a:t>
+              <a:t>10/10/1443</a:t>
             </a:fld>
             <a:endParaRPr kumimoji="0" lang="ar-SA"/>
           </a:p>
@@ -4915,7 +5153,7 @@
             <a:pPr algn="r" rtl="1"/>
             <a:fld id="{EFEED2B4-868F-4681-9E70-FF7ECCDC67D4}" type="datetimeFigureOut">
               <a:rPr lang="ar-SY" smtClean="0"/>
-              <a:t>08/10/1443</a:t>
+              <a:t>10/10/1443</a:t>
             </a:fld>
             <a:endParaRPr kumimoji="0" lang="ar-SY"/>
           </a:p>
@@ -5185,7 +5423,7 @@
           <a:p>
             <a:pPr algn="r" rtl="1"/>
             <a:fld id="{EFEED2B4-868F-4681-9E70-FF7ECCDC67D4}" type="datetimeFigureOut">
-              <a:t>08/10/1443</a:t>
+              <a:t>10/10/1443</a:t>
             </a:fld>
             <a:endParaRPr kumimoji="0" lang="ar-SA"/>
           </a:p>
@@ -5340,7 +5578,7 @@
             <a:pPr algn="r" rtl="1"/>
             <a:fld id="{EFEED2B4-868F-4681-9E70-FF7ECCDC67D4}" type="datetimeFigureOut">
               <a:pPr algn="r" rtl="1"/>
-              <a:t>08/10/1443</a:t>
+              <a:t>10/10/1443</a:t>
             </a:fld>
             <a:endParaRPr kumimoji="0" lang="ar-SA"/>
           </a:p>
@@ -5805,7 +6043,7 @@
           <a:p>
             <a:pPr algn="r" rtl="1"/>
             <a:fld id="{EFEED2B4-868F-4681-9E70-FF7ECCDC67D4}" type="datetimeFigureOut">
-              <a:t>08/10/1443</a:t>
+              <a:t>10/10/1443</a:t>
             </a:fld>
             <a:endParaRPr kumimoji="0" lang="ar-SA"/>
           </a:p>
@@ -6287,7 +6525,7 @@
             <a:pPr algn="r" rtl="1"/>
             <a:fld id="{EFEED2B4-868F-4681-9E70-FF7ECCDC67D4}" type="datetimeFigureOut">
               <a:pPr algn="r" rtl="1"/>
-              <a:t>08/10/1443</a:t>
+              <a:t>10/10/1443</a:t>
             </a:fld>
             <a:endParaRPr kumimoji="0" lang="ar-SA"/>
           </a:p>
@@ -6881,7 +7119,7 @@
             <a:pPr algn="r" rtl="1"/>
             <a:fld id="{EFEED2B4-868F-4681-9E70-FF7ECCDC67D4}" type="datetimeFigureOut">
               <a:pPr algn="r" rtl="1"/>
-              <a:t>08/10/1443</a:t>
+              <a:t>10/10/1443</a:t>
             </a:fld>
             <a:endParaRPr kumimoji="0" lang="ar-SA"/>
           </a:p>
@@ -7035,7 +7273,7 @@
           <a:p>
             <a:pPr algn="r" rtl="1"/>
             <a:fld id="{EFEED2B4-868F-4681-9E70-FF7ECCDC67D4}" type="datetimeFigureOut">
-              <a:t>08/10/1443</a:t>
+              <a:t>10/10/1443</a:t>
             </a:fld>
             <a:endParaRPr kumimoji="0" lang="ar-SA"/>
           </a:p>
@@ -7524,7 +7762,7 @@
           <a:p>
             <a:pPr algn="r" rtl="1"/>
             <a:fld id="{EFEED2B4-868F-4681-9E70-FF7ECCDC67D4}" type="datetimeFigureOut">
-              <a:t>08/10/1443</a:t>
+              <a:t>10/10/1443</a:t>
             </a:fld>
             <a:endParaRPr kumimoji="0" lang="ar-SA"/>
           </a:p>
@@ -8068,7 +8306,7 @@
           <a:p>
             <a:pPr algn="r" rtl="1"/>
             <a:fld id="{EFEED2B4-868F-4681-9E70-FF7ECCDC67D4}" type="datetimeFigureOut">
-              <a:t>08/10/1443</a:t>
+              <a:t>10/10/1443</a:t>
             </a:fld>
             <a:endParaRPr kumimoji="0" lang="ar-SA"/>
           </a:p>
@@ -8621,7 +8859,7 @@
           <a:p>
             <a:pPr algn="r" rtl="1"/>
             <a:fld id="{EFEED2B4-868F-4681-9E70-FF7ECCDC67D4}" type="datetimeFigureOut">
-              <a:t>08/10/1443</a:t>
+              <a:t>10/10/1443</a:t>
             </a:fld>
             <a:endParaRPr kumimoji="0" lang="ar-SA"/>
           </a:p>
@@ -9650,7 +9888,7 @@
             <a:pPr algn="r" rtl="1"/>
             <a:fld id="{EFEED2B4-868F-4681-9E70-FF7ECCDC67D4}" type="datetimeFigureOut">
               <a:pPr algn="r" rtl="1"/>
-              <a:t>08/10/1443</a:t>
+              <a:t>10/10/1443</a:t>
             </a:fld>
             <a:endParaRPr kumimoji="0" lang="ar-SA"/>
           </a:p>
@@ -9926,7 +10164,7 @@
             <a:pPr algn="r" rtl="1"/>
             <a:fld id="{EFEED2B4-868F-4681-9E70-FF7ECCDC67D4}" type="datetimeFigureOut">
               <a:rPr lang="ar-SY" smtClean="0"/>
-              <a:t>08/10/1443</a:t>
+              <a:t>10/10/1443</a:t>
             </a:fld>
             <a:endParaRPr kumimoji="0" lang="ar-SY"/>
           </a:p>
@@ -10329,7 +10567,7 @@
           <a:p>
             <a:pPr algn="r" rtl="1"/>
             <a:fld id="{EFEED2B4-868F-4681-9E70-FF7ECCDC67D4}" type="datetimeFigureOut">
-              <a:t>08/10/1443</a:t>
+              <a:t>10/10/1443</a:t>
             </a:fld>
             <a:endParaRPr kumimoji="0" lang="ar-SA"/>
           </a:p>
@@ -10882,7 +11120,7 @@
           <a:p>
             <a:pPr algn="r" rtl="1"/>
             <a:fld id="{EFEED2B4-868F-4681-9E70-FF7ECCDC67D4}" type="datetimeFigureOut">
-              <a:t>08/10/1443</a:t>
+              <a:t>10/10/1443</a:t>
             </a:fld>
             <a:endParaRPr kumimoji="0" lang="ar-SA"/>
           </a:p>
@@ -11000,7 +11238,7 @@
           <a:p>
             <a:pPr algn="r" rtl="1"/>
             <a:fld id="{EFEED2B4-868F-4681-9E70-FF7ECCDC67D4}" type="datetimeFigureOut">
-              <a:t>08/10/1443</a:t>
+              <a:t>10/10/1443</a:t>
             </a:fld>
             <a:endParaRPr kumimoji="0" lang="ar-SA"/>
           </a:p>
@@ -12496,7 +12734,7 @@
           <a:p>
             <a:pPr algn="r" rtl="1"/>
             <a:fld id="{EFEED2B4-868F-4681-9E70-FF7ECCDC67D4}" type="datetimeFigureOut">
-              <a:t>08/10/1443</a:t>
+              <a:t>10/10/1443</a:t>
             </a:fld>
             <a:endParaRPr kumimoji="0" lang="ar-SA"/>
           </a:p>
@@ -13653,7 +13891,7 @@
           <a:p>
             <a:pPr algn="r" rtl="1"/>
             <a:fld id="{EFEED2B4-868F-4681-9E70-FF7ECCDC67D4}" type="datetimeFigureOut">
-              <a:t>08/10/1443</a:t>
+              <a:t>10/10/1443</a:t>
             </a:fld>
             <a:endParaRPr kumimoji="0" lang="ar-SA"/>
           </a:p>
@@ -14029,7 +14267,7 @@
             <a:pPr algn="r" rtl="1"/>
             <a:fld id="{EFEED2B4-868F-4681-9E70-FF7ECCDC67D4}" type="datetimeFigureOut">
               <a:pPr algn="r" rtl="1"/>
-              <a:t>08/10/1443</a:t>
+              <a:t>10/10/1443</a:t>
             </a:fld>
             <a:endParaRPr kumimoji="0" lang="ar-SA"/>
           </a:p>
@@ -14326,7 +14564,7 @@
             <a:pPr algn="r" rtl="1"/>
             <a:fld id="{EFEED2B4-868F-4681-9E70-FF7ECCDC67D4}" type="datetimeFigureOut">
               <a:pPr algn="r" rtl="1"/>
-              <a:t>08/10/1443</a:t>
+              <a:t>10/10/1443</a:t>
             </a:fld>
             <a:endParaRPr kumimoji="0" lang="ar-SA"/>
           </a:p>
@@ -14788,7 +15026,7 @@
             <a:pPr algn="r" rtl="1"/>
             <a:fld id="{EFEED2B4-868F-4681-9E70-FF7ECCDC67D4}" type="datetimeFigureOut">
               <a:pPr algn="r" rtl="1"/>
-              <a:t>08/10/1443</a:t>
+              <a:t>10/10/1443</a:t>
             </a:fld>
             <a:endParaRPr kumimoji="0" lang="ar-SA"/>
           </a:p>
@@ -15073,7 +15311,7 @@
           <a:p>
             <a:pPr algn="r" rtl="1"/>
             <a:fld id="{EFEED2B4-868F-4681-9E70-FF7ECCDC67D4}" type="datetimeFigureOut">
-              <a:t>08/10/1443</a:t>
+              <a:t>10/10/1443</a:t>
             </a:fld>
             <a:endParaRPr kumimoji="0" lang="ar-SA"/>
           </a:p>
@@ -15483,7 +15721,7 @@
             <a:pPr algn="r" rtl="1"/>
             <a:fld id="{EFEED2B4-868F-4681-9E70-FF7ECCDC67D4}" type="datetimeFigureOut">
               <a:rPr lang="ar-SY" smtClean="0"/>
-              <a:t>08/10/1443</a:t>
+              <a:t>10/10/1443</a:t>
             </a:fld>
             <a:endParaRPr kumimoji="0" lang="ar-SY"/>
           </a:p>
@@ -15914,7 +16152,7 @@
             <a:pPr algn="r" rtl="1"/>
             <a:fld id="{EFEED2B4-868F-4681-9E70-FF7ECCDC67D4}" type="datetimeFigureOut">
               <a:rPr lang="ar-SY" smtClean="0"/>
-              <a:t>08/10/1443</a:t>
+              <a:t>10/10/1443</a:t>
             </a:fld>
             <a:endParaRPr kumimoji="0" lang="ar-SY"/>
           </a:p>
@@ -16035,7 +16273,7 @@
             <a:pPr algn="r" rtl="1"/>
             <a:fld id="{EFEED2B4-868F-4681-9E70-FF7ECCDC67D4}" type="datetimeFigureOut">
               <a:rPr lang="ar-SY" smtClean="0"/>
-              <a:t>08/10/1443</a:t>
+              <a:t>10/10/1443</a:t>
             </a:fld>
             <a:endParaRPr kumimoji="0" lang="ar-SY"/>
           </a:p>
@@ -16128,7 +16366,7 @@
             <a:pPr algn="r" rtl="1"/>
             <a:fld id="{EFEED2B4-868F-4681-9E70-FF7ECCDC67D4}" type="datetimeFigureOut">
               <a:rPr lang="ar-SY" smtClean="0"/>
-              <a:t>08/10/1443</a:t>
+              <a:t>10/10/1443</a:t>
             </a:fld>
             <a:endParaRPr kumimoji="0" lang="ar-SY"/>
           </a:p>
@@ -16381,7 +16619,7 @@
             <a:pPr algn="r" rtl="1"/>
             <a:fld id="{EFEED2B4-868F-4681-9E70-FF7ECCDC67D4}" type="datetimeFigureOut">
               <a:rPr lang="ar-SY" smtClean="0"/>
-              <a:t>08/10/1443</a:t>
+              <a:t>10/10/1443</a:t>
             </a:fld>
             <a:endParaRPr kumimoji="0" lang="ar-SY"/>
           </a:p>
@@ -16900,7 +17138,7 @@
             <a:pPr algn="r" rtl="1"/>
             <a:fld id="{EFEED2B4-868F-4681-9E70-FF7ECCDC67D4}" type="datetimeFigureOut">
               <a:rPr lang="ar-SY" smtClean="0"/>
-              <a:t>08/10/1443</a:t>
+              <a:t>10/10/1443</a:t>
             </a:fld>
             <a:endParaRPr kumimoji="0" lang="ar-SY"/>
           </a:p>
@@ -17133,7 +17371,7 @@
             <a:pPr algn="r" rtl="1"/>
             <a:fld id="{EFEED2B4-868F-4681-9E70-FF7ECCDC67D4}" type="datetimeFigureOut">
               <a:rPr lang="ar-SY" smtClean="0"/>
-              <a:t>08/10/1443</a:t>
+              <a:t>10/10/1443</a:t>
             </a:fld>
             <a:endParaRPr kumimoji="0" lang="ar-SY"/>
           </a:p>
@@ -23412,6 +23650,13 @@
   <p:clrMapOvr>
     <a:masterClrMapping/>
   </p:clrMapOvr>
+  <p:timing>
+    <p:tnLst>
+      <p:par>
+        <p:cTn id="1" dur="indefinite" restart="never" nodeType="tmRoot"/>
+      </p:par>
+    </p:tnLst>
+  </p:timing>
 </p:sld>
 </file>
 
@@ -29940,15 +30185,7 @@
             </a:br>
             <a:r>
               <a:rPr lang="ar-SA" dirty="0" smtClean="0"/>
-              <a:t>الفيديو </a:t>
-            </a:r>
-            <a:r>
-              <a:rPr lang="ar-SA" dirty="0" smtClean="0"/>
-              <a:t>15 </a:t>
-            </a:r>
-            <a:r>
-              <a:rPr lang="ar-SA" dirty="0" smtClean="0"/>
-              <a:t>--</a:t>
+              <a:t>الفيديو 15 --</a:t>
             </a:r>
             <a:r>
               <a:rPr lang="en-US" dirty="0" smtClean="0"/>
@@ -29956,11 +30193,7 @@
             </a:r>
             <a:r>
               <a:rPr lang="ar-SY" dirty="0" smtClean="0"/>
-              <a:t> </a:t>
-            </a:r>
-            <a:r>
-              <a:rPr lang="ar-SY" dirty="0" smtClean="0"/>
-              <a:t>19</a:t>
+              <a:t> 19</a:t>
             </a:r>
             <a:endParaRPr lang="ar-SA" b="1" dirty="0">
               <a:solidFill>
@@ -30234,8 +30467,8 @@
         </p:nvSpPr>
         <p:spPr>
           <a:xfrm>
-            <a:off x="683568" y="836712"/>
-            <a:ext cx="7772400" cy="1362075"/>
+            <a:off x="5339720" y="1046573"/>
+            <a:ext cx="3491880" cy="1362075"/>
           </a:xfrm>
         </p:spPr>
         <p:txBody>
@@ -30244,7 +30477,39 @@
           <a:p>
             <a:r>
               <a:rPr lang="ar-SY" sz="2000" dirty="0" smtClean="0"/>
-              <a:t>بحال كان لدينا الشرط معقد فيمكن تعريف متغير والشرط مثل التالي :</a:t>
+              <a:t>بحال كان لدينا الشرط معقد فيمكن تعريف متغير والشرط مثل التالي </a:t>
+            </a:r>
+            <a:r>
+              <a:rPr lang="ar-SY" sz="2000" dirty="0" smtClean="0"/>
+              <a:t>:</a:t>
+            </a:r>
+            <a:br>
+              <a:rPr lang="ar-SY" sz="2000" dirty="0" smtClean="0"/>
+            </a:br>
+            <a:r>
+              <a:rPr lang="ar-SY" sz="2000" dirty="0"/>
+              <a:t/>
+            </a:r>
+            <a:br>
+              <a:rPr lang="ar-SY" sz="2000" dirty="0"/>
+            </a:br>
+            <a:r>
+              <a:rPr lang="ar-SY" sz="2000" dirty="0" smtClean="0"/>
+              <a:t/>
+            </a:r>
+            <a:br>
+              <a:rPr lang="ar-SY" sz="2000" dirty="0" smtClean="0"/>
+            </a:br>
+            <a:r>
+              <a:rPr lang="ar-SY" sz="2000" dirty="0"/>
+              <a:t/>
+            </a:r>
+            <a:br>
+              <a:rPr lang="ar-SY" sz="2000" dirty="0"/>
+            </a:br>
+            <a:r>
+              <a:rPr lang="ar-SY" sz="2000" dirty="0" smtClean="0"/>
+              <a:t>هنا استخدمنا كود جافا سكريبت</a:t>
             </a:r>
             <a:endParaRPr lang="ar-SA" sz="2000" dirty="0"/>
           </a:p>
@@ -30282,60 +30547,6 @@
           </a:p>
         </p:txBody>
       </p:sp>
-      <p:pic>
-        <p:nvPicPr>
-          <p:cNvPr id="1026" name="Picture 2"/>
-          <p:cNvPicPr>
-            <a:picLocks noChangeAspect="1" noChangeArrowheads="1"/>
-          </p:cNvPicPr>
-          <p:nvPr/>
-        </p:nvPicPr>
-        <p:blipFill>
-          <a:blip r:embed="rId2">
-            <a:extLst>
-              <a:ext uri="{28A0092B-C50C-407E-A947-70E740481C1C}">
-                <a14:useLocalDpi xmlns:a14="http://schemas.microsoft.com/office/drawing/2010/main" val="0"/>
-              </a:ext>
-            </a:extLst>
-          </a:blip>
-          <a:srcRect/>
-          <a:stretch>
-            <a:fillRect/>
-          </a:stretch>
-        </p:blipFill>
-        <p:spPr bwMode="auto">
-          <a:xfrm>
-            <a:off x="0" y="1340768"/>
-            <a:ext cx="5472608" cy="2952328"/>
-          </a:xfrm>
-          <a:prstGeom prst="rect">
-            <a:avLst/>
-          </a:prstGeom>
-          <a:noFill/>
-          <a:ln>
-            <a:noFill/>
-          </a:ln>
-          <a:extLst>
-            <a:ext uri="{909E8E84-426E-40DD-AFC4-6F175D3DCCD1}">
-              <a14:hiddenFill xmlns:a14="http://schemas.microsoft.com/office/drawing/2010/main">
-                <a:solidFill>
-                  <a:schemeClr val="accent1"/>
-                </a:solidFill>
-              </a14:hiddenFill>
-            </a:ext>
-            <a:ext uri="{91240B29-F687-4F45-9708-019B960494DF}">
-              <a14:hiddenLine xmlns:a14="http://schemas.microsoft.com/office/drawing/2010/main" w="9525">
-                <a:solidFill>
-                  <a:schemeClr val="tx1"/>
-                </a:solidFill>
-                <a:miter lim="800000"/>
-                <a:headEnd/>
-                <a:tailEnd/>
-              </a14:hiddenLine>
-            </a:ext>
-          </a:extLst>
-        </p:spPr>
-      </p:pic>
       <p:sp>
         <p:nvSpPr>
           <p:cNvPr id="5" name="عنوان 1"/>
@@ -30495,11 +30706,112 @@
           </a:extLst>
         </p:spPr>
       </p:pic>
+      <p:sp>
+        <p:nvSpPr>
+          <p:cNvPr id="8" name="عنوان 1"/>
+          <p:cNvSpPr txBox="1">
+            <a:spLocks/>
+          </p:cNvSpPr>
+          <p:nvPr/>
+        </p:nvSpPr>
+        <p:spPr>
+          <a:xfrm>
+            <a:off x="1196008" y="5456897"/>
+            <a:ext cx="7772400" cy="635417"/>
+          </a:xfrm>
+          <a:prstGeom prst="rect">
+            <a:avLst/>
+          </a:prstGeom>
+        </p:spPr>
+        <p:txBody>
+          <a:bodyPr vert="horz" lIns="91440" tIns="45720" rIns="91440" bIns="45720" rtlCol="0" anchor="t" anchorCtr="0">
+            <a:noAutofit/>
+          </a:bodyPr>
+          <a:lstStyle>
+            <a:lvl1pPr algn="r" defTabSz="914400" rtl="1" eaLnBrk="1" latinLnBrk="0" hangingPunct="1">
+              <a:spcBef>
+                <a:spcPct val="0"/>
+              </a:spcBef>
+              <a:buNone/>
+              <a:defRPr kumimoji="0" lang="ar-SA" sz="4000" b="1" kern="1200" cap="all" spc="50" baseline="0">
+                <a:solidFill>
+                  <a:schemeClr val="tx1">
+                    <a:lumMod val="85000"/>
+                    <a:lumOff val="15000"/>
+                  </a:schemeClr>
+                </a:solidFill>
+                <a:latin typeface="+mj-lt"/>
+                <a:ea typeface="+mj-ea"/>
+                <a:cs typeface="+mj-cs"/>
+              </a:defRPr>
+            </a:lvl1pPr>
+            <a:lvl2pPr rtl="1" eaLnBrk="1" hangingPunct="1">
+              <a:defRPr>
+                <a:solidFill>
+                  <a:schemeClr val="tx2"/>
+                </a:solidFill>
+              </a:defRPr>
+            </a:lvl2pPr>
+            <a:lvl3pPr rtl="1" eaLnBrk="1" hangingPunct="1">
+              <a:defRPr>
+                <a:solidFill>
+                  <a:schemeClr val="tx2"/>
+                </a:solidFill>
+              </a:defRPr>
+            </a:lvl3pPr>
+            <a:lvl4pPr rtl="1" eaLnBrk="1" hangingPunct="1">
+              <a:defRPr>
+                <a:solidFill>
+                  <a:schemeClr val="tx2"/>
+                </a:solidFill>
+              </a:defRPr>
+            </a:lvl4pPr>
+            <a:lvl5pPr rtl="1" eaLnBrk="1" hangingPunct="1">
+              <a:defRPr>
+                <a:solidFill>
+                  <a:schemeClr val="tx2"/>
+                </a:solidFill>
+              </a:defRPr>
+            </a:lvl5pPr>
+            <a:lvl6pPr rtl="1" eaLnBrk="1" hangingPunct="1">
+              <a:defRPr>
+                <a:solidFill>
+                  <a:schemeClr val="tx2"/>
+                </a:solidFill>
+              </a:defRPr>
+            </a:lvl6pPr>
+            <a:lvl7pPr rtl="1" eaLnBrk="1" hangingPunct="1">
+              <a:defRPr>
+                <a:solidFill>
+                  <a:schemeClr val="tx2"/>
+                </a:solidFill>
+              </a:defRPr>
+            </a:lvl7pPr>
+            <a:lvl8pPr rtl="1" eaLnBrk="1" hangingPunct="1">
+              <a:defRPr>
+                <a:solidFill>
+                  <a:schemeClr val="tx2"/>
+                </a:solidFill>
+              </a:defRPr>
+            </a:lvl8pPr>
+            <a:lvl9pPr rtl="1" eaLnBrk="1" hangingPunct="1">
+              <a:defRPr>
+                <a:solidFill>
+                  <a:schemeClr val="tx2"/>
+                </a:solidFill>
+              </a:defRPr>
+            </a:lvl9pPr>
+          </a:lstStyle>
+          <a:p>
+            <a:endParaRPr lang="ar-SY" sz="2000" dirty="0"/>
+          </a:p>
+        </p:txBody>
+      </p:sp>
       <p:pic>
         <p:nvPicPr>
-          <p:cNvPr id="1028" name="Picture 4"/>
+          <p:cNvPr id="7" name="صورة 6"/>
           <p:cNvPicPr>
-            <a:picLocks noChangeAspect="1" noChangeArrowheads="1"/>
+            <a:picLocks noChangeAspect="1"/>
           </p:cNvPicPr>
           <p:nvPr/>
         </p:nvPicPr>
@@ -30511,149 +30823,119 @@
               </a:ext>
             </a:extLst>
           </a:blip>
-          <a:srcRect/>
           <a:stretch>
             <a:fillRect/>
           </a:stretch>
         </p:blipFill>
-        <p:spPr bwMode="auto">
-          <a:xfrm>
-            <a:off x="467544" y="4574455"/>
-            <a:ext cx="3324225" cy="2095500"/>
+        <p:spPr>
+          <a:xfrm>
+            <a:off x="78650" y="410330"/>
+            <a:ext cx="4572508" cy="4415036"/>
           </a:xfrm>
           <a:prstGeom prst="rect">
             <a:avLst/>
           </a:prstGeom>
-          <a:noFill/>
-          <a:ln>
-            <a:noFill/>
-          </a:ln>
-          <a:extLst>
-            <a:ext uri="{909E8E84-426E-40DD-AFC4-6F175D3DCCD1}">
-              <a14:hiddenFill xmlns:a14="http://schemas.microsoft.com/office/drawing/2010/main">
-                <a:solidFill>
-                  <a:schemeClr val="accent1"/>
-                </a:solidFill>
-              </a14:hiddenFill>
-            </a:ext>
-            <a:ext uri="{91240B29-F687-4F45-9708-019B960494DF}">
-              <a14:hiddenLine xmlns:a14="http://schemas.microsoft.com/office/drawing/2010/main" w="9525">
-                <a:solidFill>
-                  <a:schemeClr val="tx1"/>
-                </a:solidFill>
-                <a:miter lim="800000"/>
-                <a:headEnd/>
-                <a:tailEnd/>
-              </a14:hiddenLine>
-            </a:ext>
-          </a:extLst>
         </p:spPr>
       </p:pic>
-      <p:sp>
-        <p:nvSpPr>
-          <p:cNvPr id="8" name="عنوان 1"/>
-          <p:cNvSpPr txBox="1">
-            <a:spLocks/>
-          </p:cNvSpPr>
+      <p:cxnSp>
+        <p:nvCxnSpPr>
+          <p:cNvPr id="10" name="رابط كسهم مستقيم 9"/>
+          <p:cNvCxnSpPr/>
           <p:nvPr/>
-        </p:nvSpPr>
+        </p:nvCxnSpPr>
         <p:spPr>
           <a:xfrm>
-            <a:off x="1196008" y="5456897"/>
-            <a:ext cx="7772400" cy="635417"/>
-          </a:xfrm>
-          <a:prstGeom prst="rect">
+            <a:off x="1547664" y="1696478"/>
+            <a:ext cx="4032448" cy="1147044"/>
+          </a:xfrm>
+          <a:prstGeom prst="straightConnector1">
             <a:avLst/>
           </a:prstGeom>
-        </p:spPr>
-        <p:txBody>
-          <a:bodyPr vert="horz" lIns="91440" tIns="45720" rIns="91440" bIns="45720" rtlCol="0" anchor="t" anchorCtr="0">
-            <a:noAutofit/>
-          </a:bodyPr>
-          <a:lstStyle>
-            <a:lvl1pPr algn="r" defTabSz="914400" rtl="1" eaLnBrk="1" latinLnBrk="0" hangingPunct="1">
-              <a:spcBef>
-                <a:spcPct val="0"/>
-              </a:spcBef>
-              <a:buNone/>
-              <a:defRPr kumimoji="0" lang="ar-SA" sz="4000" b="1" kern="1200" cap="all" spc="50" baseline="0">
-                <a:solidFill>
-                  <a:schemeClr val="tx1">
-                    <a:lumMod val="85000"/>
-                    <a:lumOff val="15000"/>
-                  </a:schemeClr>
-                </a:solidFill>
-                <a:latin typeface="+mj-lt"/>
-                <a:ea typeface="+mj-ea"/>
-                <a:cs typeface="+mj-cs"/>
-              </a:defRPr>
-            </a:lvl1pPr>
-            <a:lvl2pPr rtl="1" eaLnBrk="1" hangingPunct="1">
-              <a:defRPr>
-                <a:solidFill>
-                  <a:schemeClr val="tx2"/>
-                </a:solidFill>
-              </a:defRPr>
-            </a:lvl2pPr>
-            <a:lvl3pPr rtl="1" eaLnBrk="1" hangingPunct="1">
-              <a:defRPr>
-                <a:solidFill>
-                  <a:schemeClr val="tx2"/>
-                </a:solidFill>
-              </a:defRPr>
-            </a:lvl3pPr>
-            <a:lvl4pPr rtl="1" eaLnBrk="1" hangingPunct="1">
-              <a:defRPr>
-                <a:solidFill>
-                  <a:schemeClr val="tx2"/>
-                </a:solidFill>
-              </a:defRPr>
-            </a:lvl4pPr>
-            <a:lvl5pPr rtl="1" eaLnBrk="1" hangingPunct="1">
-              <a:defRPr>
-                <a:solidFill>
-                  <a:schemeClr val="tx2"/>
-                </a:solidFill>
-              </a:defRPr>
-            </a:lvl5pPr>
-            <a:lvl6pPr rtl="1" eaLnBrk="1" hangingPunct="1">
-              <a:defRPr>
-                <a:solidFill>
-                  <a:schemeClr val="tx2"/>
-                </a:solidFill>
-              </a:defRPr>
-            </a:lvl6pPr>
-            <a:lvl7pPr rtl="1" eaLnBrk="1" hangingPunct="1">
-              <a:defRPr>
-                <a:solidFill>
-                  <a:schemeClr val="tx2"/>
-                </a:solidFill>
-              </a:defRPr>
-            </a:lvl7pPr>
-            <a:lvl8pPr rtl="1" eaLnBrk="1" hangingPunct="1">
-              <a:defRPr>
-                <a:solidFill>
-                  <a:schemeClr val="tx2"/>
-                </a:solidFill>
-              </a:defRPr>
-            </a:lvl8pPr>
-            <a:lvl9pPr rtl="1" eaLnBrk="1" hangingPunct="1">
-              <a:defRPr>
-                <a:solidFill>
-                  <a:schemeClr val="tx2"/>
-                </a:solidFill>
-              </a:defRPr>
-            </a:lvl9pPr>
-          </a:lstStyle>
-          <a:p>
-            <a:r>
-              <a:rPr lang="ar-SY" sz="2000" dirty="0" smtClean="0"/>
-              <a:t>والنتيجة :</a:t>
-            </a:r>
-            <a:endParaRPr lang="ar-SY" sz="2000" dirty="0"/>
-          </a:p>
-        </p:txBody>
-      </p:sp>
+          <a:ln>
+            <a:tailEnd type="triangle"/>
+          </a:ln>
+        </p:spPr>
+        <p:style>
+          <a:lnRef idx="1">
+            <a:schemeClr val="accent1"/>
+          </a:lnRef>
+          <a:fillRef idx="0">
+            <a:schemeClr val="accent1"/>
+          </a:fillRef>
+          <a:effectRef idx="0">
+            <a:schemeClr val="accent1"/>
+          </a:effectRef>
+          <a:fontRef idx="minor">
+            <a:schemeClr val="tx1"/>
+          </a:fontRef>
+        </p:style>
+      </p:cxnSp>
+      <p:cxnSp>
+        <p:nvCxnSpPr>
+          <p:cNvPr id="16" name="رابط كسهم مستقيم 15"/>
+          <p:cNvCxnSpPr/>
+          <p:nvPr/>
+        </p:nvCxnSpPr>
+        <p:spPr>
+          <a:xfrm>
+            <a:off x="1979712" y="3140968"/>
+            <a:ext cx="3600400" cy="1370639"/>
+          </a:xfrm>
+          <a:prstGeom prst="straightConnector1">
+            <a:avLst/>
+          </a:prstGeom>
+          <a:ln>
+            <a:tailEnd type="triangle"/>
+          </a:ln>
+        </p:spPr>
+        <p:style>
+          <a:lnRef idx="1">
+            <a:schemeClr val="accent1"/>
+          </a:lnRef>
+          <a:fillRef idx="0">
+            <a:schemeClr val="accent1"/>
+          </a:fillRef>
+          <a:effectRef idx="0">
+            <a:schemeClr val="accent1"/>
+          </a:effectRef>
+          <a:fontRef idx="minor">
+            <a:schemeClr val="tx1"/>
+          </a:fontRef>
+        </p:style>
+      </p:cxnSp>
+      <p:cxnSp>
+        <p:nvCxnSpPr>
+          <p:cNvPr id="19" name="رابط بشكل مرفق 18"/>
+          <p:cNvCxnSpPr/>
+          <p:nvPr/>
+        </p:nvCxnSpPr>
+        <p:spPr>
+          <a:xfrm>
+            <a:off x="1907704" y="1293337"/>
+            <a:ext cx="5904656" cy="551487"/>
+          </a:xfrm>
+          <a:prstGeom prst="bentConnector3">
+            <a:avLst/>
+          </a:prstGeom>
+          <a:ln>
+            <a:tailEnd type="triangle"/>
+          </a:ln>
+        </p:spPr>
+        <p:style>
+          <a:lnRef idx="1">
+            <a:schemeClr val="accent1"/>
+          </a:lnRef>
+          <a:fillRef idx="0">
+            <a:schemeClr val="accent1"/>
+          </a:fillRef>
+          <a:effectRef idx="0">
+            <a:schemeClr val="accent1"/>
+          </a:effectRef>
+          <a:fontRef idx="minor">
+            <a:schemeClr val="tx1"/>
+          </a:fontRef>
+        </p:style>
+      </p:cxnSp>
     </p:spTree>
     <p:extLst>
       <p:ext uri="{BB962C8B-B14F-4D97-AF65-F5344CB8AC3E}">
@@ -30751,11 +31033,247 @@
           </a:p>
         </p:txBody>
       </p:sp>
+      <p:sp>
+        <p:nvSpPr>
+          <p:cNvPr id="5" name="عنوان 1"/>
+          <p:cNvSpPr txBox="1">
+            <a:spLocks/>
+          </p:cNvSpPr>
+          <p:nvPr/>
+        </p:nvSpPr>
+        <p:spPr>
+          <a:xfrm>
+            <a:off x="1380322" y="3284984"/>
+            <a:ext cx="7772400" cy="1355778"/>
+          </a:xfrm>
+          <a:prstGeom prst="rect">
+            <a:avLst/>
+          </a:prstGeom>
+        </p:spPr>
+        <p:txBody>
+          <a:bodyPr vert="horz" lIns="91440" tIns="45720" rIns="91440" bIns="45720" rtlCol="0" anchor="t" anchorCtr="0">
+            <a:noAutofit/>
+          </a:bodyPr>
+          <a:lstStyle>
+            <a:lvl1pPr algn="r" defTabSz="914400" rtl="1" eaLnBrk="1" latinLnBrk="0" hangingPunct="1">
+              <a:spcBef>
+                <a:spcPct val="0"/>
+              </a:spcBef>
+              <a:buNone/>
+              <a:defRPr kumimoji="0" lang="ar-SA" sz="4000" b="1" kern="1200" cap="all" spc="50" baseline="0">
+                <a:solidFill>
+                  <a:schemeClr val="tx1">
+                    <a:lumMod val="85000"/>
+                    <a:lumOff val="15000"/>
+                  </a:schemeClr>
+                </a:solidFill>
+                <a:latin typeface="+mj-lt"/>
+                <a:ea typeface="+mj-ea"/>
+                <a:cs typeface="+mj-cs"/>
+              </a:defRPr>
+            </a:lvl1pPr>
+            <a:lvl2pPr rtl="1" eaLnBrk="1" hangingPunct="1">
+              <a:defRPr>
+                <a:solidFill>
+                  <a:schemeClr val="tx2"/>
+                </a:solidFill>
+              </a:defRPr>
+            </a:lvl2pPr>
+            <a:lvl3pPr rtl="1" eaLnBrk="1" hangingPunct="1">
+              <a:defRPr>
+                <a:solidFill>
+                  <a:schemeClr val="tx2"/>
+                </a:solidFill>
+              </a:defRPr>
+            </a:lvl3pPr>
+            <a:lvl4pPr rtl="1" eaLnBrk="1" hangingPunct="1">
+              <a:defRPr>
+                <a:solidFill>
+                  <a:schemeClr val="tx2"/>
+                </a:solidFill>
+              </a:defRPr>
+            </a:lvl4pPr>
+            <a:lvl5pPr rtl="1" eaLnBrk="1" hangingPunct="1">
+              <a:defRPr>
+                <a:solidFill>
+                  <a:schemeClr val="tx2"/>
+                </a:solidFill>
+              </a:defRPr>
+            </a:lvl5pPr>
+            <a:lvl6pPr rtl="1" eaLnBrk="1" hangingPunct="1">
+              <a:defRPr>
+                <a:solidFill>
+                  <a:schemeClr val="tx2"/>
+                </a:solidFill>
+              </a:defRPr>
+            </a:lvl6pPr>
+            <a:lvl7pPr rtl="1" eaLnBrk="1" hangingPunct="1">
+              <a:defRPr>
+                <a:solidFill>
+                  <a:schemeClr val="tx2"/>
+                </a:solidFill>
+              </a:defRPr>
+            </a:lvl7pPr>
+            <a:lvl8pPr rtl="1" eaLnBrk="1" hangingPunct="1">
+              <a:defRPr>
+                <a:solidFill>
+                  <a:schemeClr val="tx2"/>
+                </a:solidFill>
+              </a:defRPr>
+            </a:lvl8pPr>
+            <a:lvl9pPr rtl="1" eaLnBrk="1" hangingPunct="1">
+              <a:defRPr>
+                <a:solidFill>
+                  <a:schemeClr val="tx2"/>
+                </a:solidFill>
+              </a:defRPr>
+            </a:lvl9pPr>
+          </a:lstStyle>
+          <a:p>
+            <a:r>
+              <a:rPr lang="ar-SY" sz="2000" dirty="0" smtClean="0"/>
+              <a:t>يتم طباعتها بالشكل :</a:t>
+            </a:r>
+            <a:endParaRPr lang="ar-SY" sz="2000" dirty="0"/>
+          </a:p>
+        </p:txBody>
+      </p:sp>
+      <p:sp>
+        <p:nvSpPr>
+          <p:cNvPr id="7" name="عنوان 1"/>
+          <p:cNvSpPr txBox="1">
+            <a:spLocks/>
+          </p:cNvSpPr>
+          <p:nvPr/>
+        </p:nvSpPr>
+        <p:spPr>
+          <a:xfrm>
+            <a:off x="1212404" y="4509120"/>
+            <a:ext cx="7772400" cy="1355778"/>
+          </a:xfrm>
+          <a:prstGeom prst="rect">
+            <a:avLst/>
+          </a:prstGeom>
+        </p:spPr>
+        <p:txBody>
+          <a:bodyPr vert="horz" lIns="91440" tIns="45720" rIns="91440" bIns="45720" rtlCol="0" anchor="t" anchorCtr="0">
+            <a:noAutofit/>
+          </a:bodyPr>
+          <a:lstStyle>
+            <a:lvl1pPr algn="r" defTabSz="914400" rtl="1" eaLnBrk="1" latinLnBrk="0" hangingPunct="1">
+              <a:spcBef>
+                <a:spcPct val="0"/>
+              </a:spcBef>
+              <a:buNone/>
+              <a:defRPr kumimoji="0" lang="ar-SA" sz="4000" b="1" kern="1200" cap="all" spc="50" baseline="0">
+                <a:solidFill>
+                  <a:schemeClr val="tx1">
+                    <a:lumMod val="85000"/>
+                    <a:lumOff val="15000"/>
+                  </a:schemeClr>
+                </a:solidFill>
+                <a:latin typeface="+mj-lt"/>
+                <a:ea typeface="+mj-ea"/>
+                <a:cs typeface="+mj-cs"/>
+              </a:defRPr>
+            </a:lvl1pPr>
+            <a:lvl2pPr rtl="1" eaLnBrk="1" hangingPunct="1">
+              <a:defRPr>
+                <a:solidFill>
+                  <a:schemeClr val="tx2"/>
+                </a:solidFill>
+              </a:defRPr>
+            </a:lvl2pPr>
+            <a:lvl3pPr rtl="1" eaLnBrk="1" hangingPunct="1">
+              <a:defRPr>
+                <a:solidFill>
+                  <a:schemeClr val="tx2"/>
+                </a:solidFill>
+              </a:defRPr>
+            </a:lvl3pPr>
+            <a:lvl4pPr rtl="1" eaLnBrk="1" hangingPunct="1">
+              <a:defRPr>
+                <a:solidFill>
+                  <a:schemeClr val="tx2"/>
+                </a:solidFill>
+              </a:defRPr>
+            </a:lvl4pPr>
+            <a:lvl5pPr rtl="1" eaLnBrk="1" hangingPunct="1">
+              <a:defRPr>
+                <a:solidFill>
+                  <a:schemeClr val="tx2"/>
+                </a:solidFill>
+              </a:defRPr>
+            </a:lvl5pPr>
+            <a:lvl6pPr rtl="1" eaLnBrk="1" hangingPunct="1">
+              <a:defRPr>
+                <a:solidFill>
+                  <a:schemeClr val="tx2"/>
+                </a:solidFill>
+              </a:defRPr>
+            </a:lvl6pPr>
+            <a:lvl7pPr rtl="1" eaLnBrk="1" hangingPunct="1">
+              <a:defRPr>
+                <a:solidFill>
+                  <a:schemeClr val="tx2"/>
+                </a:solidFill>
+              </a:defRPr>
+            </a:lvl7pPr>
+            <a:lvl8pPr rtl="1" eaLnBrk="1" hangingPunct="1">
+              <a:defRPr>
+                <a:solidFill>
+                  <a:schemeClr val="tx2"/>
+                </a:solidFill>
+              </a:defRPr>
+            </a:lvl8pPr>
+            <a:lvl9pPr rtl="1" eaLnBrk="1" hangingPunct="1">
+              <a:defRPr>
+                <a:solidFill>
+                  <a:schemeClr val="tx2"/>
+                </a:solidFill>
+              </a:defRPr>
+            </a:lvl9pPr>
+          </a:lstStyle>
+          <a:p>
+            <a:r>
+              <a:rPr lang="ar-SY" sz="2000" dirty="0" smtClean="0"/>
+              <a:t>ولكن سيطهر لدينا خطأ وهو انه يحتاج معرف</a:t>
+            </a:r>
+          </a:p>
+          <a:p>
+            <a:r>
+              <a:rPr lang="ar-SY" sz="2000" dirty="0" smtClean="0"/>
+              <a:t>ويجب </a:t>
+            </a:r>
+            <a:r>
+              <a:rPr lang="ar-SY" sz="2000" dirty="0" smtClean="0"/>
+              <a:t>ان يكون فريد </a:t>
+            </a:r>
+            <a:r>
+              <a:rPr lang="ar-SY" sz="2000" dirty="0" err="1" smtClean="0"/>
+              <a:t>لايتكرر</a:t>
+            </a:r>
+            <a:r>
+              <a:rPr lang="ar-SY" sz="2000" dirty="0" smtClean="0"/>
+              <a:t> والانسب هو معرف </a:t>
+            </a:r>
+            <a:r>
+              <a:rPr lang="en-US" sz="2000" dirty="0" smtClean="0"/>
+              <a:t>id</a:t>
+            </a:r>
+            <a:r>
+              <a:rPr lang="ar-SY" sz="2000" dirty="0" smtClean="0"/>
+              <a:t>:</a:t>
+            </a:r>
+            <a:endParaRPr lang="ar-SY" sz="2000" dirty="0"/>
+          </a:p>
+        </p:txBody>
+      </p:sp>
       <p:pic>
         <p:nvPicPr>
-          <p:cNvPr id="2050" name="Picture 2"/>
+          <p:cNvPr id="4" name="صورة 3"/>
           <p:cNvPicPr>
-            <a:picLocks noChangeAspect="1" noChangeArrowheads="1"/>
+            <a:picLocks noChangeAspect="1"/>
           </p:cNvPicPr>
           <p:nvPr/>
         </p:nvPicPr>
@@ -30767,382 +31285,18 @@
               </a:ext>
             </a:extLst>
           </a:blip>
-          <a:srcRect/>
           <a:stretch>
             <a:fillRect/>
           </a:stretch>
         </p:blipFill>
-        <p:spPr bwMode="auto">
-          <a:xfrm>
-            <a:off x="107504" y="1052736"/>
-            <a:ext cx="4991100" cy="1857375"/>
+        <p:spPr>
+          <a:xfrm>
+            <a:off x="251520" y="932350"/>
+            <a:ext cx="4428728" cy="3384376"/>
           </a:xfrm>
           <a:prstGeom prst="rect">
             <a:avLst/>
           </a:prstGeom>
-          <a:noFill/>
-          <a:ln>
-            <a:noFill/>
-          </a:ln>
-          <a:extLst>
-            <a:ext uri="{909E8E84-426E-40DD-AFC4-6F175D3DCCD1}">
-              <a14:hiddenFill xmlns:a14="http://schemas.microsoft.com/office/drawing/2010/main">
-                <a:solidFill>
-                  <a:schemeClr val="accent1"/>
-                </a:solidFill>
-              </a14:hiddenFill>
-            </a:ext>
-            <a:ext uri="{91240B29-F687-4F45-9708-019B960494DF}">
-              <a14:hiddenLine xmlns:a14="http://schemas.microsoft.com/office/drawing/2010/main" w="9525">
-                <a:solidFill>
-                  <a:schemeClr val="tx1"/>
-                </a:solidFill>
-                <a:miter lim="800000"/>
-                <a:headEnd/>
-                <a:tailEnd/>
-              </a14:hiddenLine>
-            </a:ext>
-          </a:extLst>
-        </p:spPr>
-      </p:pic>
-      <p:sp>
-        <p:nvSpPr>
-          <p:cNvPr id="5" name="عنوان 1"/>
-          <p:cNvSpPr txBox="1">
-            <a:spLocks/>
-          </p:cNvSpPr>
-          <p:nvPr/>
-        </p:nvSpPr>
-        <p:spPr>
-          <a:xfrm>
-            <a:off x="1380322" y="3284984"/>
-            <a:ext cx="7772400" cy="1355778"/>
-          </a:xfrm>
-          <a:prstGeom prst="rect">
-            <a:avLst/>
-          </a:prstGeom>
-        </p:spPr>
-        <p:txBody>
-          <a:bodyPr vert="horz" lIns="91440" tIns="45720" rIns="91440" bIns="45720" rtlCol="0" anchor="t" anchorCtr="0">
-            <a:noAutofit/>
-          </a:bodyPr>
-          <a:lstStyle>
-            <a:lvl1pPr algn="r" defTabSz="914400" rtl="1" eaLnBrk="1" latinLnBrk="0" hangingPunct="1">
-              <a:spcBef>
-                <a:spcPct val="0"/>
-              </a:spcBef>
-              <a:buNone/>
-              <a:defRPr kumimoji="0" lang="ar-SA" sz="4000" b="1" kern="1200" cap="all" spc="50" baseline="0">
-                <a:solidFill>
-                  <a:schemeClr val="tx1">
-                    <a:lumMod val="85000"/>
-                    <a:lumOff val="15000"/>
-                  </a:schemeClr>
-                </a:solidFill>
-                <a:latin typeface="+mj-lt"/>
-                <a:ea typeface="+mj-ea"/>
-                <a:cs typeface="+mj-cs"/>
-              </a:defRPr>
-            </a:lvl1pPr>
-            <a:lvl2pPr rtl="1" eaLnBrk="1" hangingPunct="1">
-              <a:defRPr>
-                <a:solidFill>
-                  <a:schemeClr val="tx2"/>
-                </a:solidFill>
-              </a:defRPr>
-            </a:lvl2pPr>
-            <a:lvl3pPr rtl="1" eaLnBrk="1" hangingPunct="1">
-              <a:defRPr>
-                <a:solidFill>
-                  <a:schemeClr val="tx2"/>
-                </a:solidFill>
-              </a:defRPr>
-            </a:lvl3pPr>
-            <a:lvl4pPr rtl="1" eaLnBrk="1" hangingPunct="1">
-              <a:defRPr>
-                <a:solidFill>
-                  <a:schemeClr val="tx2"/>
-                </a:solidFill>
-              </a:defRPr>
-            </a:lvl4pPr>
-            <a:lvl5pPr rtl="1" eaLnBrk="1" hangingPunct="1">
-              <a:defRPr>
-                <a:solidFill>
-                  <a:schemeClr val="tx2"/>
-                </a:solidFill>
-              </a:defRPr>
-            </a:lvl5pPr>
-            <a:lvl6pPr rtl="1" eaLnBrk="1" hangingPunct="1">
-              <a:defRPr>
-                <a:solidFill>
-                  <a:schemeClr val="tx2"/>
-                </a:solidFill>
-              </a:defRPr>
-            </a:lvl6pPr>
-            <a:lvl7pPr rtl="1" eaLnBrk="1" hangingPunct="1">
-              <a:defRPr>
-                <a:solidFill>
-                  <a:schemeClr val="tx2"/>
-                </a:solidFill>
-              </a:defRPr>
-            </a:lvl7pPr>
-            <a:lvl8pPr rtl="1" eaLnBrk="1" hangingPunct="1">
-              <a:defRPr>
-                <a:solidFill>
-                  <a:schemeClr val="tx2"/>
-                </a:solidFill>
-              </a:defRPr>
-            </a:lvl8pPr>
-            <a:lvl9pPr rtl="1" eaLnBrk="1" hangingPunct="1">
-              <a:defRPr>
-                <a:solidFill>
-                  <a:schemeClr val="tx2"/>
-                </a:solidFill>
-              </a:defRPr>
-            </a:lvl9pPr>
-          </a:lstStyle>
-          <a:p>
-            <a:r>
-              <a:rPr lang="ar-SY" sz="2000" dirty="0" smtClean="0"/>
-              <a:t>يتم طباعتها بالشكل :</a:t>
-            </a:r>
-            <a:endParaRPr lang="ar-SY" sz="2000" dirty="0"/>
-          </a:p>
-        </p:txBody>
-      </p:sp>
-      <p:pic>
-        <p:nvPicPr>
-          <p:cNvPr id="2051" name="Picture 3"/>
-          <p:cNvPicPr>
-            <a:picLocks noChangeAspect="1" noChangeArrowheads="1"/>
-          </p:cNvPicPr>
-          <p:nvPr/>
-        </p:nvPicPr>
-        <p:blipFill>
-          <a:blip r:embed="rId3">
-            <a:extLst>
-              <a:ext uri="{28A0092B-C50C-407E-A947-70E740481C1C}">
-                <a14:useLocalDpi xmlns:a14="http://schemas.microsoft.com/office/drawing/2010/main" val="0"/>
-              </a:ext>
-            </a:extLst>
-          </a:blip>
-          <a:srcRect/>
-          <a:stretch>
-            <a:fillRect/>
-          </a:stretch>
-        </p:blipFill>
-        <p:spPr bwMode="auto">
-          <a:xfrm>
-            <a:off x="9939" y="3293909"/>
-            <a:ext cx="5924550" cy="971550"/>
-          </a:xfrm>
-          <a:prstGeom prst="rect">
-            <a:avLst/>
-          </a:prstGeom>
-          <a:noFill/>
-          <a:ln>
-            <a:noFill/>
-          </a:ln>
-          <a:extLst>
-            <a:ext uri="{909E8E84-426E-40DD-AFC4-6F175D3DCCD1}">
-              <a14:hiddenFill xmlns:a14="http://schemas.microsoft.com/office/drawing/2010/main">
-                <a:solidFill>
-                  <a:schemeClr val="accent1"/>
-                </a:solidFill>
-              </a14:hiddenFill>
-            </a:ext>
-            <a:ext uri="{91240B29-F687-4F45-9708-019B960494DF}">
-              <a14:hiddenLine xmlns:a14="http://schemas.microsoft.com/office/drawing/2010/main" w="9525">
-                <a:solidFill>
-                  <a:schemeClr val="tx1"/>
-                </a:solidFill>
-                <a:miter lim="800000"/>
-                <a:headEnd/>
-                <a:tailEnd/>
-              </a14:hiddenLine>
-            </a:ext>
-          </a:extLst>
-        </p:spPr>
-      </p:pic>
-      <p:sp>
-        <p:nvSpPr>
-          <p:cNvPr id="7" name="عنوان 1"/>
-          <p:cNvSpPr txBox="1">
-            <a:spLocks/>
-          </p:cNvSpPr>
-          <p:nvPr/>
-        </p:nvSpPr>
-        <p:spPr>
-          <a:xfrm>
-            <a:off x="1212404" y="4509120"/>
-            <a:ext cx="7772400" cy="1355778"/>
-          </a:xfrm>
-          <a:prstGeom prst="rect">
-            <a:avLst/>
-          </a:prstGeom>
-        </p:spPr>
-        <p:txBody>
-          <a:bodyPr vert="horz" lIns="91440" tIns="45720" rIns="91440" bIns="45720" rtlCol="0" anchor="t" anchorCtr="0">
-            <a:noAutofit/>
-          </a:bodyPr>
-          <a:lstStyle>
-            <a:lvl1pPr algn="r" defTabSz="914400" rtl="1" eaLnBrk="1" latinLnBrk="0" hangingPunct="1">
-              <a:spcBef>
-                <a:spcPct val="0"/>
-              </a:spcBef>
-              <a:buNone/>
-              <a:defRPr kumimoji="0" lang="ar-SA" sz="4000" b="1" kern="1200" cap="all" spc="50" baseline="0">
-                <a:solidFill>
-                  <a:schemeClr val="tx1">
-                    <a:lumMod val="85000"/>
-                    <a:lumOff val="15000"/>
-                  </a:schemeClr>
-                </a:solidFill>
-                <a:latin typeface="+mj-lt"/>
-                <a:ea typeface="+mj-ea"/>
-                <a:cs typeface="+mj-cs"/>
-              </a:defRPr>
-            </a:lvl1pPr>
-            <a:lvl2pPr rtl="1" eaLnBrk="1" hangingPunct="1">
-              <a:defRPr>
-                <a:solidFill>
-                  <a:schemeClr val="tx2"/>
-                </a:solidFill>
-              </a:defRPr>
-            </a:lvl2pPr>
-            <a:lvl3pPr rtl="1" eaLnBrk="1" hangingPunct="1">
-              <a:defRPr>
-                <a:solidFill>
-                  <a:schemeClr val="tx2"/>
-                </a:solidFill>
-              </a:defRPr>
-            </a:lvl3pPr>
-            <a:lvl4pPr rtl="1" eaLnBrk="1" hangingPunct="1">
-              <a:defRPr>
-                <a:solidFill>
-                  <a:schemeClr val="tx2"/>
-                </a:solidFill>
-              </a:defRPr>
-            </a:lvl4pPr>
-            <a:lvl5pPr rtl="1" eaLnBrk="1" hangingPunct="1">
-              <a:defRPr>
-                <a:solidFill>
-                  <a:schemeClr val="tx2"/>
-                </a:solidFill>
-              </a:defRPr>
-            </a:lvl5pPr>
-            <a:lvl6pPr rtl="1" eaLnBrk="1" hangingPunct="1">
-              <a:defRPr>
-                <a:solidFill>
-                  <a:schemeClr val="tx2"/>
-                </a:solidFill>
-              </a:defRPr>
-            </a:lvl6pPr>
-            <a:lvl7pPr rtl="1" eaLnBrk="1" hangingPunct="1">
-              <a:defRPr>
-                <a:solidFill>
-                  <a:schemeClr val="tx2"/>
-                </a:solidFill>
-              </a:defRPr>
-            </a:lvl7pPr>
-            <a:lvl8pPr rtl="1" eaLnBrk="1" hangingPunct="1">
-              <a:defRPr>
-                <a:solidFill>
-                  <a:schemeClr val="tx2"/>
-                </a:solidFill>
-              </a:defRPr>
-            </a:lvl8pPr>
-            <a:lvl9pPr rtl="1" eaLnBrk="1" hangingPunct="1">
-              <a:defRPr>
-                <a:solidFill>
-                  <a:schemeClr val="tx2"/>
-                </a:solidFill>
-              </a:defRPr>
-            </a:lvl9pPr>
-          </a:lstStyle>
-          <a:p>
-            <a:r>
-              <a:rPr lang="ar-SY" sz="2000" dirty="0" smtClean="0"/>
-              <a:t>ولكن سيطهر لدينا خطأ وهو انه يحتاج معرف</a:t>
-            </a:r>
-          </a:p>
-          <a:p>
-            <a:r>
-              <a:rPr lang="ar-SY" sz="2000" dirty="0" smtClean="0"/>
-              <a:t>ويدب ان يكون فريد </a:t>
-            </a:r>
-            <a:r>
-              <a:rPr lang="ar-SY" sz="2000" dirty="0" err="1" smtClean="0"/>
-              <a:t>لايتكرر</a:t>
-            </a:r>
-            <a:r>
-              <a:rPr lang="ar-SY" sz="2000" dirty="0" smtClean="0"/>
-              <a:t> والانسب هو معرف </a:t>
-            </a:r>
-            <a:r>
-              <a:rPr lang="en-US" sz="2000" dirty="0" smtClean="0"/>
-              <a:t>id</a:t>
-            </a:r>
-            <a:r>
-              <a:rPr lang="ar-SY" sz="2000" dirty="0" smtClean="0"/>
-              <a:t>:</a:t>
-            </a:r>
-            <a:endParaRPr lang="ar-SY" sz="2000" dirty="0"/>
-          </a:p>
-        </p:txBody>
-      </p:sp>
-      <p:pic>
-        <p:nvPicPr>
-          <p:cNvPr id="2052" name="Picture 4"/>
-          <p:cNvPicPr>
-            <a:picLocks noChangeAspect="1" noChangeArrowheads="1"/>
-          </p:cNvPicPr>
-          <p:nvPr/>
-        </p:nvPicPr>
-        <p:blipFill>
-          <a:blip r:embed="rId4">
-            <a:extLst>
-              <a:ext uri="{28A0092B-C50C-407E-A947-70E740481C1C}">
-                <a14:useLocalDpi xmlns:a14="http://schemas.microsoft.com/office/drawing/2010/main" val="0"/>
-              </a:ext>
-            </a:extLst>
-          </a:blip>
-          <a:srcRect/>
-          <a:stretch>
-            <a:fillRect/>
-          </a:stretch>
-        </p:blipFill>
-        <p:spPr bwMode="auto">
-          <a:xfrm>
-            <a:off x="0" y="5393410"/>
-            <a:ext cx="7534275" cy="942975"/>
-          </a:xfrm>
-          <a:prstGeom prst="rect">
-            <a:avLst/>
-          </a:prstGeom>
-          <a:noFill/>
-          <a:ln>
-            <a:noFill/>
-          </a:ln>
-          <a:extLst>
-            <a:ext uri="{909E8E84-426E-40DD-AFC4-6F175D3DCCD1}">
-              <a14:hiddenFill xmlns:a14="http://schemas.microsoft.com/office/drawing/2010/main">
-                <a:solidFill>
-                  <a:schemeClr val="accent1"/>
-                </a:solidFill>
-              </a14:hiddenFill>
-            </a:ext>
-            <a:ext uri="{91240B29-F687-4F45-9708-019B960494DF}">
-              <a14:hiddenLine xmlns:a14="http://schemas.microsoft.com/office/drawing/2010/main" w="9525">
-                <a:solidFill>
-                  <a:schemeClr val="tx1"/>
-                </a:solidFill>
-                <a:miter lim="800000"/>
-                <a:headEnd/>
-                <a:tailEnd/>
-              </a14:hiddenLine>
-            </a:ext>
-          </a:extLst>
         </p:spPr>
       </p:pic>
     </p:spTree>
@@ -31961,18 +32115,18 @@
               <a:t>فيمكننا كما في المثال التالي نقل الكود الى </a:t>
             </a:r>
             <a:r>
+              <a:rPr lang="ar-SY" dirty="0" smtClean="0"/>
+              <a:t>ملف باسم</a:t>
+            </a:r>
+          </a:p>
+          <a:p>
+            <a:r>
               <a:rPr lang="en-US" dirty="0" smtClean="0"/>
-              <a:t>function </a:t>
+              <a:t>Age.js</a:t>
             </a:r>
             <a:r>
               <a:rPr lang="ar-SY" dirty="0" smtClean="0"/>
-              <a:t> </a:t>
-            </a:r>
-          </a:p>
-          <a:p>
-            <a:r>
-              <a:rPr lang="ar-SY" dirty="0" smtClean="0"/>
-              <a:t>ووضعه قبل ال </a:t>
+              <a:t> ووضعه ضمن مجلد</a:t>
             </a:r>
             <a:r>
               <a:rPr lang="en-US" dirty="0" smtClean="0"/>
@@ -31980,66 +32134,12 @@
             </a:r>
             <a:r>
               <a:rPr lang="ar-SY" dirty="0" smtClean="0"/>
-              <a:t> الاساسي  :</a:t>
+              <a:t>:</a:t>
             </a:r>
             <a:endParaRPr lang="en-US" dirty="0"/>
           </a:p>
         </p:txBody>
       </p:sp>
-      <p:pic>
-        <p:nvPicPr>
-          <p:cNvPr id="4098" name="Picture 2"/>
-          <p:cNvPicPr>
-            <a:picLocks noChangeAspect="1" noChangeArrowheads="1"/>
-          </p:cNvPicPr>
-          <p:nvPr/>
-        </p:nvPicPr>
-        <p:blipFill>
-          <a:blip r:embed="rId2">
-            <a:extLst>
-              <a:ext uri="{28A0092B-C50C-407E-A947-70E740481C1C}">
-                <a14:useLocalDpi xmlns:a14="http://schemas.microsoft.com/office/drawing/2010/main" val="0"/>
-              </a:ext>
-            </a:extLst>
-          </a:blip>
-          <a:srcRect/>
-          <a:stretch>
-            <a:fillRect/>
-          </a:stretch>
-        </p:blipFill>
-        <p:spPr bwMode="auto">
-          <a:xfrm>
-            <a:off x="107505" y="1500187"/>
-            <a:ext cx="4248472" cy="2562225"/>
-          </a:xfrm>
-          <a:prstGeom prst="rect">
-            <a:avLst/>
-          </a:prstGeom>
-          <a:noFill/>
-          <a:ln>
-            <a:noFill/>
-          </a:ln>
-          <a:extLst>
-            <a:ext uri="{909E8E84-426E-40DD-AFC4-6F175D3DCCD1}">
-              <a14:hiddenFill xmlns:a14="http://schemas.microsoft.com/office/drawing/2010/main">
-                <a:solidFill>
-                  <a:schemeClr val="accent1"/>
-                </a:solidFill>
-              </a14:hiddenFill>
-            </a:ext>
-            <a:ext uri="{91240B29-F687-4F45-9708-019B960494DF}">
-              <a14:hiddenLine xmlns:a14="http://schemas.microsoft.com/office/drawing/2010/main" w="9525">
-                <a:solidFill>
-                  <a:schemeClr val="tx1"/>
-                </a:solidFill>
-                <a:miter lim="800000"/>
-                <a:headEnd/>
-                <a:tailEnd/>
-              </a14:hiddenLine>
-            </a:ext>
-          </a:extLst>
-        </p:spPr>
-      </p:pic>
       <p:sp>
         <p:nvSpPr>
           <p:cNvPr id="6" name="عنصر نائب للنص 2"/>
@@ -32298,68 +32398,10 @@
             </a:lvl9pPr>
           </a:lstStyle>
           <a:p>
-            <a:r>
-              <a:rPr lang="ar-SY" dirty="0" smtClean="0"/>
-              <a:t>ونستدعيه كما في الشكل :</a:t>
-            </a:r>
             <a:endParaRPr lang="en-US" dirty="0"/>
           </a:p>
         </p:txBody>
       </p:sp>
-      <p:pic>
-        <p:nvPicPr>
-          <p:cNvPr id="4099" name="Picture 3"/>
-          <p:cNvPicPr>
-            <a:picLocks noChangeAspect="1" noChangeArrowheads="1"/>
-          </p:cNvPicPr>
-          <p:nvPr/>
-        </p:nvPicPr>
-        <p:blipFill>
-          <a:blip r:embed="rId3">
-            <a:extLst>
-              <a:ext uri="{28A0092B-C50C-407E-A947-70E740481C1C}">
-                <a14:useLocalDpi xmlns:a14="http://schemas.microsoft.com/office/drawing/2010/main" val="0"/>
-              </a:ext>
-            </a:extLst>
-          </a:blip>
-          <a:srcRect/>
-          <a:stretch>
-            <a:fillRect/>
-          </a:stretch>
-        </p:blipFill>
-        <p:spPr bwMode="auto">
-          <a:xfrm>
-            <a:off x="4557396" y="3999141"/>
-            <a:ext cx="2486025" cy="392668"/>
-          </a:xfrm>
-          <a:prstGeom prst="rect">
-            <a:avLst/>
-          </a:prstGeom>
-          <a:noFill/>
-          <a:ln>
-            <a:noFill/>
-          </a:ln>
-          <a:extLst>
-            <a:ext uri="{909E8E84-426E-40DD-AFC4-6F175D3DCCD1}">
-              <a14:hiddenFill xmlns:a14="http://schemas.microsoft.com/office/drawing/2010/main">
-                <a:solidFill>
-                  <a:schemeClr val="accent1"/>
-                </a:solidFill>
-              </a14:hiddenFill>
-            </a:ext>
-            <a:ext uri="{91240B29-F687-4F45-9708-019B960494DF}">
-              <a14:hiddenLine xmlns:a14="http://schemas.microsoft.com/office/drawing/2010/main" w="9525">
-                <a:solidFill>
-                  <a:schemeClr val="tx1"/>
-                </a:solidFill>
-                <a:miter lim="800000"/>
-                <a:headEnd/>
-                <a:tailEnd/>
-              </a14:hiddenLine>
-            </a:ext>
-          </a:extLst>
-        </p:spPr>
-      </p:pic>
       <p:sp>
         <p:nvSpPr>
           <p:cNvPr id="8" name="عنصر نائب للنص 2"/>
@@ -32370,7 +32412,7 @@
         </p:nvSpPr>
         <p:spPr>
           <a:xfrm>
-            <a:off x="1371600" y="3312318"/>
+            <a:off x="1763688" y="3165700"/>
             <a:ext cx="7772400" cy="1500187"/>
           </a:xfrm>
           <a:prstGeom prst="rect">
@@ -32618,68 +32660,10 @@
             </a:lvl9pPr>
           </a:lstStyle>
           <a:p>
-            <a:r>
-              <a:rPr lang="ar-SY" dirty="0" smtClean="0"/>
-              <a:t>و يمكن ان نستدعيه مرة اخرى كما في الشكل :</a:t>
-            </a:r>
             <a:endParaRPr lang="en-US" dirty="0"/>
           </a:p>
         </p:txBody>
       </p:sp>
-      <p:pic>
-        <p:nvPicPr>
-          <p:cNvPr id="4100" name="Picture 4"/>
-          <p:cNvPicPr>
-            <a:picLocks noChangeAspect="1" noChangeArrowheads="1"/>
-          </p:cNvPicPr>
-          <p:nvPr/>
-        </p:nvPicPr>
-        <p:blipFill>
-          <a:blip r:embed="rId4">
-            <a:extLst>
-              <a:ext uri="{28A0092B-C50C-407E-A947-70E740481C1C}">
-                <a14:useLocalDpi xmlns:a14="http://schemas.microsoft.com/office/drawing/2010/main" val="0"/>
-              </a:ext>
-            </a:extLst>
-          </a:blip>
-          <a:srcRect/>
-          <a:stretch>
-            <a:fillRect/>
-          </a:stretch>
-        </p:blipFill>
-        <p:spPr bwMode="auto">
-          <a:xfrm>
-            <a:off x="1475656" y="4636292"/>
-            <a:ext cx="2257425" cy="352425"/>
-          </a:xfrm>
-          <a:prstGeom prst="rect">
-            <a:avLst/>
-          </a:prstGeom>
-          <a:noFill/>
-          <a:ln>
-            <a:noFill/>
-          </a:ln>
-          <a:extLst>
-            <a:ext uri="{909E8E84-426E-40DD-AFC4-6F175D3DCCD1}">
-              <a14:hiddenFill xmlns:a14="http://schemas.microsoft.com/office/drawing/2010/main">
-                <a:solidFill>
-                  <a:schemeClr val="accent1"/>
-                </a:solidFill>
-              </a14:hiddenFill>
-            </a:ext>
-            <a:ext uri="{91240B29-F687-4F45-9708-019B960494DF}">
-              <a14:hiddenLine xmlns:a14="http://schemas.microsoft.com/office/drawing/2010/main" w="9525">
-                <a:solidFill>
-                  <a:schemeClr val="tx1"/>
-                </a:solidFill>
-                <a:miter lim="800000"/>
-                <a:headEnd/>
-                <a:tailEnd/>
-              </a14:hiddenLine>
-            </a:ext>
-          </a:extLst>
-        </p:spPr>
-      </p:pic>
       <p:sp>
         <p:nvSpPr>
           <p:cNvPr id="10" name="عنصر نائب للنص 2"/>
@@ -32690,7 +32674,7 @@
         </p:nvSpPr>
         <p:spPr>
           <a:xfrm>
-            <a:off x="1371600" y="3641715"/>
+            <a:off x="1371600" y="3662263"/>
             <a:ext cx="7772400" cy="1500187"/>
           </a:xfrm>
           <a:prstGeom prst="rect">
@@ -32952,7 +32936,7 @@
         </p:nvSpPr>
         <p:spPr>
           <a:xfrm>
-            <a:off x="1259632" y="4238623"/>
+            <a:off x="1313505" y="4171535"/>
             <a:ext cx="7772400" cy="1500187"/>
           </a:xfrm>
           <a:prstGeom prst="rect">
@@ -33200,14 +33184,70 @@
             </a:lvl9pPr>
           </a:lstStyle>
           <a:p>
-            <a:r>
-              <a:rPr lang="ar-SY" dirty="0" smtClean="0"/>
-              <a:t>والنتيجة كما ظهر لدينا سابقا.</a:t>
-            </a:r>
             <a:endParaRPr lang="en-US" dirty="0"/>
           </a:p>
         </p:txBody>
       </p:sp>
+      <p:pic>
+        <p:nvPicPr>
+          <p:cNvPr id="2" name="صورة 1"/>
+          <p:cNvPicPr>
+            <a:picLocks noChangeAspect="1"/>
+          </p:cNvPicPr>
+          <p:nvPr/>
+        </p:nvPicPr>
+        <p:blipFill>
+          <a:blip r:embed="rId3">
+            <a:extLst>
+              <a:ext uri="{28A0092B-C50C-407E-A947-70E740481C1C}">
+                <a14:useLocalDpi xmlns:a14="http://schemas.microsoft.com/office/drawing/2010/main" val="0"/>
+              </a:ext>
+            </a:extLst>
+          </a:blip>
+          <a:stretch>
+            <a:fillRect/>
+          </a:stretch>
+        </p:blipFill>
+        <p:spPr>
+          <a:xfrm>
+            <a:off x="4808753" y="2499418"/>
+            <a:ext cx="4248471" cy="3478410"/>
+          </a:xfrm>
+          <a:prstGeom prst="rect">
+            <a:avLst/>
+          </a:prstGeom>
+        </p:spPr>
+      </p:pic>
+      <p:pic>
+        <p:nvPicPr>
+          <p:cNvPr id="12" name="صورة 11"/>
+          <p:cNvPicPr>
+            <a:picLocks noChangeAspect="1"/>
+          </p:cNvPicPr>
+          <p:nvPr/>
+        </p:nvPicPr>
+        <p:blipFill>
+          <a:blip r:embed="rId4">
+            <a:extLst>
+              <a:ext uri="{28A0092B-C50C-407E-A947-70E740481C1C}">
+                <a14:useLocalDpi xmlns:a14="http://schemas.microsoft.com/office/drawing/2010/main" val="0"/>
+              </a:ext>
+            </a:extLst>
+          </a:blip>
+          <a:stretch>
+            <a:fillRect/>
+          </a:stretch>
+        </p:blipFill>
+        <p:spPr>
+          <a:xfrm>
+            <a:off x="133792" y="1700808"/>
+            <a:ext cx="4150176" cy="4896543"/>
+          </a:xfrm>
+          <a:prstGeom prst="rect">
+            <a:avLst/>
+          </a:prstGeom>
+        </p:spPr>
+      </p:pic>
     </p:spTree>
     <p:extLst>
       <p:ext uri="{BB962C8B-B14F-4D97-AF65-F5344CB8AC3E}">
@@ -33257,7 +33297,7 @@
         </p:nvSpPr>
         <p:spPr>
           <a:xfrm>
-            <a:off x="395536" y="-99392"/>
+            <a:off x="1045840" y="-530909"/>
             <a:ext cx="7772400" cy="1500187"/>
           </a:xfrm>
         </p:spPr>
@@ -33296,62 +33336,8 @@
         </p:blipFill>
         <p:spPr bwMode="auto">
           <a:xfrm>
-            <a:off x="-1" y="2132856"/>
+            <a:off x="4932040" y="2383741"/>
             <a:ext cx="2809875" cy="2076450"/>
-          </a:xfrm>
-          <a:prstGeom prst="rect">
-            <a:avLst/>
-          </a:prstGeom>
-          <a:noFill/>
-          <a:ln>
-            <a:noFill/>
-          </a:ln>
-          <a:extLst>
-            <a:ext uri="{909E8E84-426E-40DD-AFC4-6F175D3DCCD1}">
-              <a14:hiddenFill xmlns:a14="http://schemas.microsoft.com/office/drawing/2010/main">
-                <a:solidFill>
-                  <a:schemeClr val="accent1"/>
-                </a:solidFill>
-              </a14:hiddenFill>
-            </a:ext>
-            <a:ext uri="{91240B29-F687-4F45-9708-019B960494DF}">
-              <a14:hiddenLine xmlns:a14="http://schemas.microsoft.com/office/drawing/2010/main" w="9525">
-                <a:solidFill>
-                  <a:schemeClr val="tx1"/>
-                </a:solidFill>
-                <a:miter lim="800000"/>
-                <a:headEnd/>
-                <a:tailEnd/>
-              </a14:hiddenLine>
-            </a:ext>
-          </a:extLst>
-        </p:spPr>
-      </p:pic>
-      <p:pic>
-        <p:nvPicPr>
-          <p:cNvPr id="5123" name="Picture 3"/>
-          <p:cNvPicPr>
-            <a:picLocks noChangeAspect="1" noChangeArrowheads="1"/>
-          </p:cNvPicPr>
-          <p:nvPr/>
-        </p:nvPicPr>
-        <p:blipFill>
-          <a:blip r:embed="rId3">
-            <a:extLst>
-              <a:ext uri="{28A0092B-C50C-407E-A947-70E740481C1C}">
-                <a14:useLocalDpi xmlns:a14="http://schemas.microsoft.com/office/drawing/2010/main" val="0"/>
-              </a:ext>
-            </a:extLst>
-          </a:blip>
-          <a:srcRect/>
-          <a:stretch>
-            <a:fillRect/>
-          </a:stretch>
-        </p:blipFill>
-        <p:spPr bwMode="auto">
-          <a:xfrm>
-            <a:off x="66675" y="1412776"/>
-            <a:ext cx="5486400" cy="304800"/>
           </a:xfrm>
           <a:prstGeom prst="rect">
             <a:avLst/>
@@ -33656,7 +33642,7 @@
           <p:nvPr/>
         </p:nvPicPr>
         <p:blipFill>
-          <a:blip r:embed="rId4">
+          <a:blip r:embed="rId3">
             <a:extLst>
               <a:ext uri="{28A0092B-C50C-407E-A947-70E740481C1C}">
                 <a14:useLocalDpi xmlns:a14="http://schemas.microsoft.com/office/drawing/2010/main" val="0"/>
@@ -33670,7 +33656,7 @@
         </p:blipFill>
         <p:spPr bwMode="auto">
           <a:xfrm>
-            <a:off x="3080927" y="4140443"/>
+            <a:off x="5796136" y="5478974"/>
             <a:ext cx="1724025" cy="1133475"/>
           </a:xfrm>
           <a:prstGeom prst="rect">
@@ -33981,56 +33967,32 @@
       </p:sp>
       <p:pic>
         <p:nvPicPr>
-          <p:cNvPr id="5125" name="Picture 5"/>
+          <p:cNvPr id="2" name="صورة 1"/>
           <p:cNvPicPr>
-            <a:picLocks noChangeAspect="1" noChangeArrowheads="1"/>
+            <a:picLocks noChangeAspect="1"/>
           </p:cNvPicPr>
           <p:nvPr/>
         </p:nvPicPr>
         <p:blipFill>
-          <a:blip r:embed="rId5">
+          <a:blip r:embed="rId4">
             <a:extLst>
               <a:ext uri="{28A0092B-C50C-407E-A947-70E740481C1C}">
                 <a14:useLocalDpi xmlns:a14="http://schemas.microsoft.com/office/drawing/2010/main" val="0"/>
               </a:ext>
             </a:extLst>
           </a:blip>
-          <a:srcRect/>
           <a:stretch>
             <a:fillRect/>
           </a:stretch>
         </p:blipFill>
-        <p:spPr bwMode="auto">
-          <a:xfrm>
-            <a:off x="2339752" y="5661248"/>
-            <a:ext cx="2286000" cy="762000"/>
+        <p:spPr>
+          <a:xfrm>
+            <a:off x="0" y="969278"/>
+            <a:ext cx="4680520" cy="4905375"/>
           </a:xfrm>
           <a:prstGeom prst="rect">
             <a:avLst/>
           </a:prstGeom>
-          <a:noFill/>
-          <a:ln>
-            <a:noFill/>
-          </a:ln>
-          <a:extLst>
-            <a:ext uri="{909E8E84-426E-40DD-AFC4-6F175D3DCCD1}">
-              <a14:hiddenFill xmlns:a14="http://schemas.microsoft.com/office/drawing/2010/main">
-                <a:solidFill>
-                  <a:schemeClr val="accent1"/>
-                </a:solidFill>
-              </a14:hiddenFill>
-            </a:ext>
-            <a:ext uri="{91240B29-F687-4F45-9708-019B960494DF}">
-              <a14:hiddenLine xmlns:a14="http://schemas.microsoft.com/office/drawing/2010/main" w="9525">
-                <a:solidFill>
-                  <a:schemeClr val="tx1"/>
-                </a:solidFill>
-                <a:miter lim="800000"/>
-                <a:headEnd/>
-                <a:tailEnd/>
-              </a14:hiddenLine>
-            </a:ext>
-          </a:extLst>
         </p:spPr>
       </p:pic>
     </p:spTree>
@@ -34043,6 +34005,18 @@
   <p:clrMapOvr>
     <a:masterClrMapping/>
   </p:clrMapOvr>
+  <mc:AlternateContent xmlns:mc="http://schemas.openxmlformats.org/markup-compatibility/2006">
+    <mc:Choice xmlns:p14="http://schemas.microsoft.com/office/powerpoint/2010/main" Requires="p14">
+      <p:transition spd="slow" p14:dur="1500">
+        <p:split orient="vert"/>
+      </p:transition>
+    </mc:Choice>
+    <mc:Fallback>
+      <p:transition spd="slow">
+        <p:split orient="vert"/>
+      </p:transition>
+    </mc:Fallback>
+  </mc:AlternateContent>
   <p:timing>
     <p:tnLst>
       <p:par>
@@ -34125,7 +34099,7 @@
                             </p:stCondLst>
                             <p:childTnLst>
                               <p:par>
-                                <p:cTn id="10" presetID="2" presetClass="entr" presetSubtype="4" fill="hold" nodeType="clickEffect">
+                                <p:cTn id="10" presetID="16" presetClass="entr" presetSubtype="21" fill="hold" grpId="0" nodeType="clickEffect">
                                   <p:stCondLst>
                                     <p:cond delay="0"/>
                                   </p:stCondLst>
@@ -34133,97 +34107,6 @@
                                     <p:set>
                                       <p:cBhvr>
                                         <p:cTn id="11" dur="1" fill="hold">
-                                          <p:stCondLst>
-                                            <p:cond delay="0"/>
-                                          </p:stCondLst>
-                                        </p:cTn>
-                                        <p:tgtEl>
-                                          <p:spTgt spid="5123"/>
-                                        </p:tgtEl>
-                                        <p:attrNameLst>
-                                          <p:attrName>style.visibility</p:attrName>
-                                        </p:attrNameLst>
-                                      </p:cBhvr>
-                                      <p:to>
-                                        <p:strVal val="visible"/>
-                                      </p:to>
-                                    </p:set>
-                                    <p:anim calcmode="lin" valueType="num">
-                                      <p:cBhvr additive="base">
-                                        <p:cTn id="12" dur="500" fill="hold"/>
-                                        <p:tgtEl>
-                                          <p:spTgt spid="5123"/>
-                                        </p:tgtEl>
-                                        <p:attrNameLst>
-                                          <p:attrName>ppt_x</p:attrName>
-                                        </p:attrNameLst>
-                                      </p:cBhvr>
-                                      <p:tavLst>
-                                        <p:tav tm="0">
-                                          <p:val>
-                                            <p:strVal val="#ppt_x"/>
-                                          </p:val>
-                                        </p:tav>
-                                        <p:tav tm="100000">
-                                          <p:val>
-                                            <p:strVal val="#ppt_x"/>
-                                          </p:val>
-                                        </p:tav>
-                                      </p:tavLst>
-                                    </p:anim>
-                                    <p:anim calcmode="lin" valueType="num">
-                                      <p:cBhvr additive="base">
-                                        <p:cTn id="13" dur="500" fill="hold"/>
-                                        <p:tgtEl>
-                                          <p:spTgt spid="5123"/>
-                                        </p:tgtEl>
-                                        <p:attrNameLst>
-                                          <p:attrName>ppt_y</p:attrName>
-                                        </p:attrNameLst>
-                                      </p:cBhvr>
-                                      <p:tavLst>
-                                        <p:tav tm="0">
-                                          <p:val>
-                                            <p:strVal val="1+#ppt_h/2"/>
-                                          </p:val>
-                                        </p:tav>
-                                        <p:tav tm="100000">
-                                          <p:val>
-                                            <p:strVal val="#ppt_y"/>
-                                          </p:val>
-                                        </p:tav>
-                                      </p:tavLst>
-                                    </p:anim>
-                                  </p:childTnLst>
-                                </p:cTn>
-                              </p:par>
-                            </p:childTnLst>
-                          </p:cTn>
-                        </p:par>
-                      </p:childTnLst>
-                    </p:cTn>
-                  </p:par>
-                  <p:par>
-                    <p:cTn id="14" fill="hold">
-                      <p:stCondLst>
-                        <p:cond delay="indefinite"/>
-                      </p:stCondLst>
-                      <p:childTnLst>
-                        <p:par>
-                          <p:cTn id="15" fill="hold">
-                            <p:stCondLst>
-                              <p:cond delay="0"/>
-                            </p:stCondLst>
-                            <p:childTnLst>
-                              <p:par>
-                                <p:cTn id="16" presetID="16" presetClass="entr" presetSubtype="21" fill="hold" grpId="0" nodeType="clickEffect">
-                                  <p:stCondLst>
-                                    <p:cond delay="0"/>
-                                  </p:stCondLst>
-                                  <p:childTnLst>
-                                    <p:set>
-                                      <p:cBhvr>
-                                        <p:cTn id="17" dur="1" fill="hold">
                                           <p:stCondLst>
                                             <p:cond delay="0"/>
                                           </p:stCondLst>
@@ -34241,7 +34124,7 @@
                                     </p:set>
                                     <p:animEffect transition="in" filter="barn(inVertical)">
                                       <p:cBhvr>
-                                        <p:cTn id="18" dur="500"/>
+                                        <p:cTn id="12" dur="500"/>
                                         <p:tgtEl>
                                           <p:spTgt spid="6"/>
                                         </p:tgtEl>
@@ -34257,26 +34140,26 @@
                     </p:cTn>
                   </p:par>
                   <p:par>
-                    <p:cTn id="19" fill="hold">
+                    <p:cTn id="13" fill="hold">
                       <p:stCondLst>
                         <p:cond delay="indefinite"/>
                       </p:stCondLst>
                       <p:childTnLst>
                         <p:par>
-                          <p:cTn id="20" fill="hold">
+                          <p:cTn id="14" fill="hold">
                             <p:stCondLst>
                               <p:cond delay="0"/>
                             </p:stCondLst>
                             <p:childTnLst>
                               <p:par>
-                                <p:cTn id="21" presetID="6" presetClass="entr" presetSubtype="16" fill="hold" nodeType="clickEffect">
+                                <p:cTn id="15" presetID="6" presetClass="entr" presetSubtype="16" fill="hold" nodeType="clickEffect">
                                   <p:stCondLst>
                                     <p:cond delay="0"/>
                                   </p:stCondLst>
                                   <p:childTnLst>
                                     <p:set>
                                       <p:cBhvr>
-                                        <p:cTn id="22" dur="1" fill="hold">
+                                        <p:cTn id="16" dur="1" fill="hold">
                                           <p:stCondLst>
                                             <p:cond delay="0"/>
                                           </p:stCondLst>
@@ -34294,7 +34177,7 @@
                                     </p:set>
                                     <p:animEffect transition="in" filter="circle(in)">
                                       <p:cBhvr>
-                                        <p:cTn id="23" dur="2000"/>
+                                        <p:cTn id="17" dur="2000"/>
                                         <p:tgtEl>
                                           <p:spTgt spid="5122"/>
                                         </p:tgtEl>
